--- a/20241203_NTSE2024.pptx
+++ b/20241203_NTSE2024.pptx
@@ -7,10 +7,10 @@
     <p:sldMasterId id="2147483772" r:id="rId3"/>
   </p:sldMasterIdLst>
   <p:notesMasterIdLst>
-    <p:notesMasterId r:id="rId48"/>
+    <p:notesMasterId r:id="rId51"/>
   </p:notesMasterIdLst>
   <p:handoutMasterIdLst>
-    <p:handoutMasterId r:id="rId49"/>
+    <p:handoutMasterId r:id="rId52"/>
   </p:handoutMasterIdLst>
   <p:sldIdLst>
     <p:sldId id="269" r:id="rId4"/>
@@ -30,33 +30,36 @@
     <p:sldId id="597" r:id="rId18"/>
     <p:sldId id="546" r:id="rId19"/>
     <p:sldId id="528" r:id="rId20"/>
-    <p:sldId id="658" r:id="rId21"/>
-    <p:sldId id="659" r:id="rId22"/>
-    <p:sldId id="660" r:id="rId23"/>
-    <p:sldId id="663" r:id="rId24"/>
-    <p:sldId id="661" r:id="rId25"/>
-    <p:sldId id="566" r:id="rId26"/>
+    <p:sldId id="566" r:id="rId21"/>
+    <p:sldId id="658" r:id="rId22"/>
+    <p:sldId id="659" r:id="rId23"/>
+    <p:sldId id="660" r:id="rId24"/>
+    <p:sldId id="663" r:id="rId25"/>
+    <p:sldId id="661" r:id="rId26"/>
     <p:sldId id="599" r:id="rId27"/>
     <p:sldId id="600" r:id="rId28"/>
     <p:sldId id="535" r:id="rId29"/>
     <p:sldId id="656" r:id="rId30"/>
     <p:sldId id="655" r:id="rId31"/>
-    <p:sldId id="651" r:id="rId32"/>
-    <p:sldId id="653" r:id="rId33"/>
-    <p:sldId id="652" r:id="rId34"/>
-    <p:sldId id="536" r:id="rId35"/>
-    <p:sldId id="580" r:id="rId36"/>
-    <p:sldId id="581" r:id="rId37"/>
-    <p:sldId id="627" r:id="rId38"/>
-    <p:sldId id="667" r:id="rId39"/>
-    <p:sldId id="668" r:id="rId40"/>
-    <p:sldId id="666" r:id="rId41"/>
-    <p:sldId id="669" r:id="rId42"/>
-    <p:sldId id="670" r:id="rId43"/>
-    <p:sldId id="671" r:id="rId44"/>
-    <p:sldId id="672" r:id="rId45"/>
-    <p:sldId id="673" r:id="rId46"/>
-    <p:sldId id="641" r:id="rId47"/>
+    <p:sldId id="674" r:id="rId32"/>
+    <p:sldId id="651" r:id="rId33"/>
+    <p:sldId id="653" r:id="rId34"/>
+    <p:sldId id="652" r:id="rId35"/>
+    <p:sldId id="536" r:id="rId36"/>
+    <p:sldId id="615" r:id="rId37"/>
+    <p:sldId id="537" r:id="rId38"/>
+    <p:sldId id="580" r:id="rId39"/>
+    <p:sldId id="581" r:id="rId40"/>
+    <p:sldId id="627" r:id="rId41"/>
+    <p:sldId id="667" r:id="rId42"/>
+    <p:sldId id="668" r:id="rId43"/>
+    <p:sldId id="666" r:id="rId44"/>
+    <p:sldId id="669" r:id="rId45"/>
+    <p:sldId id="670" r:id="rId46"/>
+    <p:sldId id="671" r:id="rId47"/>
+    <p:sldId id="672" r:id="rId48"/>
+    <p:sldId id="673" r:id="rId49"/>
+    <p:sldId id="641" r:id="rId50"/>
   </p:sldIdLst>
   <p:sldSz cx="9906000" cy="6858000" type="A4"/>
   <p:notesSz cx="6735763" cy="9866313"/>
@@ -177,21 +180,24 @@
             <p14:sldId id="597"/>
             <p14:sldId id="546"/>
             <p14:sldId id="528"/>
+            <p14:sldId id="566"/>
             <p14:sldId id="658"/>
             <p14:sldId id="659"/>
             <p14:sldId id="660"/>
             <p14:sldId id="663"/>
             <p14:sldId id="661"/>
-            <p14:sldId id="566"/>
             <p14:sldId id="599"/>
             <p14:sldId id="600"/>
             <p14:sldId id="535"/>
             <p14:sldId id="656"/>
             <p14:sldId id="655"/>
+            <p14:sldId id="674"/>
             <p14:sldId id="651"/>
             <p14:sldId id="653"/>
             <p14:sldId id="652"/>
             <p14:sldId id="536"/>
+            <p14:sldId id="615"/>
+            <p14:sldId id="537"/>
             <p14:sldId id="580"/>
             <p14:sldId id="581"/>
             <p14:sldId id="627"/>
@@ -371,7 +377,7 @@
           <a:p>
             <a:fld id="{46F42610-14FF-4B40-B4B6-786DE4FB8FEA}" type="datetime1">
               <a:rPr lang="ko-KR" altLang="en-US" smtClean="0"/>
-              <a:t>2024-11-28</a:t>
+              <a:t>2024-12-04</a:t>
             </a:fld>
             <a:endParaRPr lang="ko-KR" altLang="en-US"/>
           </a:p>
@@ -537,7 +543,7 @@
           <a:p>
             <a:fld id="{513A899E-F476-4791-9F16-0B14047B11F2}" type="datetime1">
               <a:rPr lang="ko-KR" altLang="en-US" smtClean="0"/>
-              <a:t>2024-11-28</a:t>
+              <a:t>2024-12-04</a:t>
             </a:fld>
             <a:endParaRPr lang="ko-KR" altLang="en-US"/>
           </a:p>
@@ -1003,7 +1009,7 @@
           <a:p>
             <a:fld id="{D5BB7A41-6D90-4371-844A-87EC379C3D06}" type="datetimeFigureOut">
               <a:rPr lang="ko-KR" altLang="en-US" smtClean="0"/>
-              <a:t>2024-11-28</a:t>
+              <a:t>2024-12-04</a:t>
             </a:fld>
             <a:endParaRPr lang="ko-KR" altLang="en-US"/>
           </a:p>
@@ -1344,7 +1350,7 @@
             <a:fld id="{1D8BD707-D9CF-40AE-B4C6-C98DA3205C09}" type="datetimeFigureOut">
               <a:rPr lang="en-US" smtClean="0"/>
               <a:pPr defTabSz="914400" latinLnBrk="0"/>
-              <a:t>11/28/2024</a:t>
+              <a:t>12/4/2024</a:t>
             </a:fld>
             <a:endParaRPr lang="en-US"/>
           </a:p>
@@ -1552,7 +1558,7 @@
             <a:fld id="{1D8BD707-D9CF-40AE-B4C6-C98DA3205C09}" type="datetimeFigureOut">
               <a:rPr lang="en-US" smtClean="0"/>
               <a:pPr defTabSz="914400" latinLnBrk="0"/>
-              <a:t>11/28/2024</a:t>
+              <a:t>12/4/2024</a:t>
             </a:fld>
             <a:endParaRPr lang="en-US"/>
           </a:p>
@@ -1810,7 +1816,7 @@
             <a:fld id="{1D8BD707-D9CF-40AE-B4C6-C98DA3205C09}" type="datetimeFigureOut">
               <a:rPr lang="en-US" smtClean="0"/>
               <a:pPr defTabSz="914400" latinLnBrk="0"/>
-              <a:t>11/28/2024</a:t>
+              <a:t>12/4/2024</a:t>
             </a:fld>
             <a:endParaRPr lang="en-US"/>
           </a:p>
@@ -2137,7 +2143,7 @@
             <a:fld id="{1D8BD707-D9CF-40AE-B4C6-C98DA3205C09}" type="datetimeFigureOut">
               <a:rPr lang="en-US" smtClean="0"/>
               <a:pPr defTabSz="914400" latinLnBrk="0"/>
-              <a:t>11/28/2024</a:t>
+              <a:t>12/4/2024</a:t>
             </a:fld>
             <a:endParaRPr lang="en-US"/>
           </a:p>
@@ -2613,7 +2619,7 @@
             <a:fld id="{1D8BD707-D9CF-40AE-B4C6-C98DA3205C09}" type="datetimeFigureOut">
               <a:rPr lang="en-US" smtClean="0"/>
               <a:pPr defTabSz="914400" latinLnBrk="0"/>
-              <a:t>11/28/2024</a:t>
+              <a:t>12/4/2024</a:t>
             </a:fld>
             <a:endParaRPr lang="en-US"/>
           </a:p>
@@ -2770,7 +2776,7 @@
             <a:fld id="{1D8BD707-D9CF-40AE-B4C6-C98DA3205C09}" type="datetimeFigureOut">
               <a:rPr lang="en-US" smtClean="0"/>
               <a:pPr defTabSz="914400" latinLnBrk="0"/>
-              <a:t>11/28/2024</a:t>
+              <a:t>12/4/2024</a:t>
             </a:fld>
             <a:endParaRPr lang="en-US"/>
           </a:p>
@@ -2870,7 +2876,7 @@
             <a:fld id="{1D8BD707-D9CF-40AE-B4C6-C98DA3205C09}" type="datetimeFigureOut">
               <a:rPr lang="en-US" smtClean="0"/>
               <a:pPr defTabSz="914400" latinLnBrk="0"/>
-              <a:t>11/28/2024</a:t>
+              <a:t>12/4/2024</a:t>
             </a:fld>
             <a:endParaRPr lang="en-US"/>
           </a:p>
@@ -3028,7 +3034,7 @@
           <a:p>
             <a:fld id="{D5BB7A41-6D90-4371-844A-87EC379C3D06}" type="datetimeFigureOut">
               <a:rPr lang="ko-KR" altLang="en-US" smtClean="0"/>
-              <a:t>2024-11-28</a:t>
+              <a:t>2024-12-04</a:t>
             </a:fld>
             <a:endParaRPr lang="ko-KR" altLang="en-US"/>
           </a:p>
@@ -3309,7 +3315,7 @@
             <a:fld id="{1D8BD707-D9CF-40AE-B4C6-C98DA3205C09}" type="datetimeFigureOut">
               <a:rPr lang="en-US" smtClean="0"/>
               <a:pPr defTabSz="914400" latinLnBrk="0"/>
-              <a:t>11/28/2024</a:t>
+              <a:t>12/4/2024</a:t>
             </a:fld>
             <a:endParaRPr lang="en-US"/>
           </a:p>
@@ -3624,7 +3630,7 @@
             <a:fld id="{1D8BD707-D9CF-40AE-B4C6-C98DA3205C09}" type="datetimeFigureOut">
               <a:rPr lang="en-US" smtClean="0"/>
               <a:pPr defTabSz="914400" latinLnBrk="0"/>
-              <a:t>11/28/2024</a:t>
+              <a:t>12/4/2024</a:t>
             </a:fld>
             <a:endParaRPr lang="en-US"/>
           </a:p>
@@ -3797,7 +3803,7 @@
             <a:fld id="{1D8BD707-D9CF-40AE-B4C6-C98DA3205C09}" type="datetimeFigureOut">
               <a:rPr lang="en-US" smtClean="0"/>
               <a:pPr defTabSz="914400" latinLnBrk="0"/>
-              <a:t>11/28/2024</a:t>
+              <a:t>12/4/2024</a:t>
             </a:fld>
             <a:endParaRPr lang="en-US"/>
           </a:p>
@@ -3982,7 +3988,7 @@
             <a:fld id="{1D8BD707-D9CF-40AE-B4C6-C98DA3205C09}" type="datetimeFigureOut">
               <a:rPr lang="en-US" smtClean="0"/>
               <a:pPr defTabSz="914400" latinLnBrk="0"/>
-              <a:t>11/28/2024</a:t>
+              <a:t>12/4/2024</a:t>
             </a:fld>
             <a:endParaRPr lang="en-US"/>
           </a:p>
@@ -4236,7 +4242,7 @@
             <a:fld id="{1D8BD707-D9CF-40AE-B4C6-C98DA3205C09}" type="datetimeFigureOut">
               <a:rPr lang="en-US" smtClean="0"/>
               <a:pPr defTabSz="914400" latinLnBrk="0"/>
-              <a:t>11/28/2024</a:t>
+              <a:t>12/4/2024</a:t>
             </a:fld>
             <a:endParaRPr lang="en-US"/>
           </a:p>
@@ -4444,7 +4450,7 @@
             <a:fld id="{1D8BD707-D9CF-40AE-B4C6-C98DA3205C09}" type="datetimeFigureOut">
               <a:rPr lang="en-US" smtClean="0"/>
               <a:pPr defTabSz="914400" latinLnBrk="0"/>
-              <a:t>11/28/2024</a:t>
+              <a:t>12/4/2024</a:t>
             </a:fld>
             <a:endParaRPr lang="en-US"/>
           </a:p>
@@ -4702,7 +4708,7 @@
             <a:fld id="{1D8BD707-D9CF-40AE-B4C6-C98DA3205C09}" type="datetimeFigureOut">
               <a:rPr lang="en-US" smtClean="0"/>
               <a:pPr defTabSz="914400" latinLnBrk="0"/>
-              <a:t>11/28/2024</a:t>
+              <a:t>12/4/2024</a:t>
             </a:fld>
             <a:endParaRPr lang="en-US"/>
           </a:p>
@@ -5029,7 +5035,7 @@
             <a:fld id="{1D8BD707-D9CF-40AE-B4C6-C98DA3205C09}" type="datetimeFigureOut">
               <a:rPr lang="en-US" smtClean="0"/>
               <a:pPr defTabSz="914400" latinLnBrk="0"/>
-              <a:t>11/28/2024</a:t>
+              <a:t>12/4/2024</a:t>
             </a:fld>
             <a:endParaRPr lang="en-US"/>
           </a:p>
@@ -5505,7 +5511,7 @@
             <a:fld id="{1D8BD707-D9CF-40AE-B4C6-C98DA3205C09}" type="datetimeFigureOut">
               <a:rPr lang="en-US" smtClean="0"/>
               <a:pPr defTabSz="914400" latinLnBrk="0"/>
-              <a:t>11/28/2024</a:t>
+              <a:t>12/4/2024</a:t>
             </a:fld>
             <a:endParaRPr lang="en-US"/>
           </a:p>
@@ -5662,7 +5668,7 @@
             <a:fld id="{1D8BD707-D9CF-40AE-B4C6-C98DA3205C09}" type="datetimeFigureOut">
               <a:rPr lang="en-US" smtClean="0"/>
               <a:pPr defTabSz="914400" latinLnBrk="0"/>
-              <a:t>11/28/2024</a:t>
+              <a:t>12/4/2024</a:t>
             </a:fld>
             <a:endParaRPr lang="en-US"/>
           </a:p>
@@ -5915,7 +5921,7 @@
           <a:p>
             <a:fld id="{D5BB7A41-6D90-4371-844A-87EC379C3D06}" type="datetimeFigureOut">
               <a:rPr lang="ko-KR" altLang="en-US" smtClean="0"/>
-              <a:t>2024-11-28</a:t>
+              <a:t>2024-12-04</a:t>
             </a:fld>
             <a:endParaRPr lang="ko-KR" altLang="en-US"/>
           </a:p>
@@ -6012,7 +6018,7 @@
             <a:fld id="{1D8BD707-D9CF-40AE-B4C6-C98DA3205C09}" type="datetimeFigureOut">
               <a:rPr lang="en-US" smtClean="0"/>
               <a:pPr defTabSz="914400" latinLnBrk="0"/>
-              <a:t>11/28/2024</a:t>
+              <a:t>12/4/2024</a:t>
             </a:fld>
             <a:endParaRPr lang="en-US"/>
           </a:p>
@@ -6296,7 +6302,7 @@
             <a:fld id="{1D8BD707-D9CF-40AE-B4C6-C98DA3205C09}" type="datetimeFigureOut">
               <a:rPr lang="en-US" smtClean="0"/>
               <a:pPr defTabSz="914400" latinLnBrk="0"/>
-              <a:t>11/28/2024</a:t>
+              <a:t>12/4/2024</a:t>
             </a:fld>
             <a:endParaRPr lang="en-US"/>
           </a:p>
@@ -6611,7 +6617,7 @@
             <a:fld id="{1D8BD707-D9CF-40AE-B4C6-C98DA3205C09}" type="datetimeFigureOut">
               <a:rPr lang="en-US" smtClean="0"/>
               <a:pPr defTabSz="914400" latinLnBrk="0"/>
-              <a:t>11/28/2024</a:t>
+              <a:t>12/4/2024</a:t>
             </a:fld>
             <a:endParaRPr lang="en-US"/>
           </a:p>
@@ -6784,7 +6790,7 @@
             <a:fld id="{1D8BD707-D9CF-40AE-B4C6-C98DA3205C09}" type="datetimeFigureOut">
               <a:rPr lang="en-US" smtClean="0"/>
               <a:pPr defTabSz="914400" latinLnBrk="0"/>
-              <a:t>11/28/2024</a:t>
+              <a:t>12/4/2024</a:t>
             </a:fld>
             <a:endParaRPr lang="en-US"/>
           </a:p>
@@ -6969,7 +6975,7 @@
             <a:fld id="{1D8BD707-D9CF-40AE-B4C6-C98DA3205C09}" type="datetimeFigureOut">
               <a:rPr lang="en-US" smtClean="0"/>
               <a:pPr defTabSz="914400" latinLnBrk="0"/>
-              <a:t>11/28/2024</a:t>
+              <a:t>12/4/2024</a:t>
             </a:fld>
             <a:endParaRPr lang="en-US"/>
           </a:p>
@@ -7218,7 +7224,7 @@
           <a:p>
             <a:fld id="{D5BB7A41-6D90-4371-844A-87EC379C3D06}" type="datetimeFigureOut">
               <a:rPr lang="ko-KR" altLang="en-US" smtClean="0"/>
-              <a:t>2024-11-28</a:t>
+              <a:t>2024-12-04</a:t>
             </a:fld>
             <a:endParaRPr lang="ko-KR" altLang="en-US"/>
           </a:p>
@@ -7600,7 +7606,7 @@
           <a:p>
             <a:fld id="{D5BB7A41-6D90-4371-844A-87EC379C3D06}" type="datetimeFigureOut">
               <a:rPr lang="ko-KR" altLang="en-US" smtClean="0"/>
-              <a:t>2024-11-28</a:t>
+              <a:t>2024-12-04</a:t>
             </a:fld>
             <a:endParaRPr lang="ko-KR" altLang="en-US"/>
           </a:p>
@@ -7726,7 +7732,7 @@
           <a:p>
             <a:fld id="{D5BB7A41-6D90-4371-844A-87EC379C3D06}" type="datetimeFigureOut">
               <a:rPr lang="ko-KR" altLang="en-US" smtClean="0"/>
-              <a:t>2024-11-28</a:t>
+              <a:t>2024-12-04</a:t>
             </a:fld>
             <a:endParaRPr lang="ko-KR" altLang="en-US"/>
           </a:p>
@@ -7821,7 +7827,7 @@
           <a:p>
             <a:fld id="{D5BB7A41-6D90-4371-844A-87EC379C3D06}" type="datetimeFigureOut">
               <a:rPr lang="ko-KR" altLang="en-US" smtClean="0"/>
-              <a:t>2024-11-28</a:t>
+              <a:t>2024-12-04</a:t>
             </a:fld>
             <a:endParaRPr lang="ko-KR" altLang="en-US"/>
           </a:p>
@@ -8107,7 +8113,7 @@
           <a:p>
             <a:fld id="{D5BB7A41-6D90-4371-844A-87EC379C3D06}" type="datetimeFigureOut">
               <a:rPr lang="ko-KR" altLang="en-US" smtClean="0"/>
-              <a:t>2024-11-28</a:t>
+              <a:t>2024-12-04</a:t>
             </a:fld>
             <a:endParaRPr lang="ko-KR" altLang="en-US"/>
           </a:p>
@@ -8255,7 +8261,7 @@
           <a:p>
             <a:fld id="{D5BB7A41-6D90-4371-844A-87EC379C3D06}" type="datetimeFigureOut">
               <a:rPr lang="ko-KR" altLang="en-US" smtClean="0"/>
-              <a:t>2024-11-28</a:t>
+              <a:t>2024-12-04</a:t>
             </a:fld>
             <a:endParaRPr lang="ko-KR" altLang="en-US"/>
           </a:p>
@@ -9083,7 +9089,7 @@
             <a:fld id="{1D8BD707-D9CF-40AE-B4C6-C98DA3205C09}" type="datetimeFigureOut">
               <a:rPr lang="en-US" smtClean="0"/>
               <a:pPr defTabSz="914400" latinLnBrk="0"/>
-              <a:t>11/28/2024</a:t>
+              <a:t>12/4/2024</a:t>
             </a:fld>
             <a:endParaRPr lang="en-US"/>
           </a:p>
@@ -9773,7 +9779,7 @@
             <a:fld id="{1D8BD707-D9CF-40AE-B4C6-C98DA3205C09}" type="datetimeFigureOut">
               <a:rPr lang="en-US" smtClean="0"/>
               <a:pPr defTabSz="914400" latinLnBrk="0"/>
-              <a:t>11/28/2024</a:t>
+              <a:t>12/4/2024</a:t>
             </a:fld>
             <a:endParaRPr lang="en-US"/>
           </a:p>
@@ -10264,12 +10270,6 @@
               </a:rPr>
               <a:t>Theory</a:t>
             </a:r>
-            <a:endParaRPr lang="en-US" altLang="ko-KR" sz="3600" b="1" dirty="0">
-              <a:solidFill>
-                <a:schemeClr val="bg1"/>
-              </a:solidFill>
-              <a:latin typeface="+mn-ea"/>
-            </a:endParaRPr>
           </a:p>
         </p:txBody>
       </p:sp>
@@ -10479,19 +10479,11 @@
           <a:p>
             <a:pPr lvl="1"/>
             <a:r>
-              <a:rPr lang="en-US" altLang="ko-KR" sz="1800" dirty="0" smtClean="0"/>
-              <a:t>2024.12.01.-</a:t>
-            </a:r>
-            <a:r>
               <a:rPr lang="en-US" altLang="ko-KR" sz="1800" dirty="0"/>
-              <a:t>0</a:t>
-            </a:r>
-            <a:r>
-              <a:rPr lang="en-US" altLang="ko-KR" sz="1800" dirty="0" smtClean="0"/>
-              <a:t>7.,  NTSE2024</a:t>
-            </a:r>
-            <a:r>
-              <a:rPr lang="en-US" dirty="0" smtClean="0"/>
+              <a:t>2024.12.01.-07.,  NTSE2024</a:t>
+            </a:r>
+            <a:r>
+              <a:rPr lang="en-US" dirty="0"/>
               <a:t> </a:t>
             </a:r>
             <a:r>
@@ -12135,8 +12127,16 @@
               <a:buChar char="•"/>
             </a:pPr>
             <a:r>
+              <a:rPr lang="en-US" altLang="ko-KR" dirty="0">
+                <a:solidFill>
+                  <a:srgbClr val="FF0000"/>
+                </a:solidFill>
+              </a:rPr>
+              <a:t>One pion exchange </a:t>
+            </a:r>
+            <a:r>
               <a:rPr lang="en-US" altLang="ko-KR" dirty="0"/>
-              <a:t>One pion exchange and </a:t>
+              <a:t>and </a:t>
             </a:r>
             <a:r>
               <a:rPr lang="en-US" altLang="ko-KR" dirty="0">
@@ -12288,44 +12288,16 @@
           <a:lstStyle/>
           <a:p>
             <a:r>
-              <a:rPr lang="en-US" dirty="0"/>
-              <a:t>Wave Function Matching</a:t>
-            </a:r>
-          </a:p>
-        </p:txBody>
-      </p:sp>
-      <p:sp>
-        <p:nvSpPr>
-          <p:cNvPr id="3" name="TextBox 2"/>
-          <p:cNvSpPr txBox="1"/>
-          <p:nvPr/>
-        </p:nvSpPr>
-        <p:spPr>
-          <a:xfrm>
-            <a:off x="7767782" y="6369932"/>
-            <a:ext cx="2021465" cy="382412"/>
-          </a:xfrm>
-          <a:prstGeom prst="rect">
-            <a:avLst/>
-          </a:prstGeom>
-          <a:noFill/>
-        </p:spPr>
-        <p:txBody>
-          <a:bodyPr wrap="square" rtlCol="0">
-            <a:spAutoFit/>
-          </a:bodyPr>
-          <a:lstStyle/>
-          <a:p>
-            <a:r>
-              <a:rPr lang="en-US" dirty="0"/>
-              <a:t>From Dean Lee</a:t>
-            </a:r>
+              <a:rPr lang="en-US" altLang="ko-KR" dirty="0"/>
+              <a:t>Wave function matching</a:t>
+            </a:r>
+            <a:endParaRPr lang="ko-KR" altLang="en-US" dirty="0"/>
           </a:p>
         </p:txBody>
       </p:sp>
       <p:pic>
         <p:nvPicPr>
-          <p:cNvPr id="8" name="그림 7"/>
+          <p:cNvPr id="4" name="그림 3"/>
           <p:cNvPicPr>
             <a:picLocks noChangeAspect="1"/>
           </p:cNvPicPr>
@@ -12339,18 +12311,192 @@
         </p:blipFill>
         <p:spPr>
           <a:xfrm>
-            <a:off x="758360" y="1571526"/>
-            <a:ext cx="8284039" cy="4295762"/>
+            <a:off x="307975" y="1438275"/>
+            <a:ext cx="7112874" cy="4870450"/>
           </a:xfrm>
           <a:prstGeom prst="rect">
             <a:avLst/>
           </a:prstGeom>
         </p:spPr>
       </p:pic>
+      <p:sp>
+        <p:nvSpPr>
+          <p:cNvPr id="5" name="TextBox 4"/>
+          <p:cNvSpPr txBox="1"/>
+          <p:nvPr/>
+        </p:nvSpPr>
+        <p:spPr>
+          <a:xfrm>
+            <a:off x="997219" y="4913507"/>
+            <a:ext cx="1811714" cy="672492"/>
+          </a:xfrm>
+          <a:prstGeom prst="rect">
+            <a:avLst/>
+          </a:prstGeom>
+          <a:noFill/>
+        </p:spPr>
+        <p:txBody>
+          <a:bodyPr wrap="none" rtlCol="0">
+            <a:spAutoFit/>
+          </a:bodyPr>
+          <a:lstStyle/>
+          <a:p>
+            <a:r>
+              <a:rPr lang="en-US" altLang="ko-KR" dirty="0"/>
+              <a:t>U is only active</a:t>
+            </a:r>
+          </a:p>
+          <a:p>
+            <a:r>
+              <a:rPr lang="en-US" altLang="ko-KR" dirty="0"/>
+              <a:t>At r &lt; R</a:t>
+            </a:r>
+          </a:p>
+        </p:txBody>
+      </p:sp>
+      <p:pic>
+        <p:nvPicPr>
+          <p:cNvPr id="6" name="그림 5"/>
+          <p:cNvPicPr>
+            <a:picLocks noChangeAspect="1"/>
+          </p:cNvPicPr>
+          <p:nvPr/>
+        </p:nvPicPr>
+        <p:blipFill>
+          <a:blip r:embed="rId3"/>
+          <a:stretch>
+            <a:fillRect/>
+          </a:stretch>
+        </p:blipFill>
+        <p:spPr>
+          <a:xfrm>
+            <a:off x="3283795" y="3945551"/>
+            <a:ext cx="3697298" cy="470678"/>
+          </a:xfrm>
+          <a:prstGeom prst="rect">
+            <a:avLst/>
+          </a:prstGeom>
+        </p:spPr>
+      </p:pic>
+      <p:pic>
+        <p:nvPicPr>
+          <p:cNvPr id="7" name="그림 6"/>
+          <p:cNvPicPr>
+            <a:picLocks noChangeAspect="1"/>
+          </p:cNvPicPr>
+          <p:nvPr/>
+        </p:nvPicPr>
+        <p:blipFill>
+          <a:blip r:embed="rId4"/>
+          <a:stretch>
+            <a:fillRect/>
+          </a:stretch>
+        </p:blipFill>
+        <p:spPr>
+          <a:xfrm>
+            <a:off x="4129968" y="4454309"/>
+            <a:ext cx="2004951" cy="459198"/>
+          </a:xfrm>
+          <a:prstGeom prst="rect">
+            <a:avLst/>
+          </a:prstGeom>
+        </p:spPr>
+      </p:pic>
+      <p:sp>
+        <p:nvSpPr>
+          <p:cNvPr id="8" name="TextBox 7"/>
+          <p:cNvSpPr txBox="1"/>
+          <p:nvPr/>
+        </p:nvSpPr>
+        <p:spPr>
+          <a:xfrm>
+            <a:off x="7420849" y="1524000"/>
+            <a:ext cx="2078904" cy="962571"/>
+          </a:xfrm>
+          <a:prstGeom prst="rect">
+            <a:avLst/>
+          </a:prstGeom>
+          <a:noFill/>
+        </p:spPr>
+        <p:txBody>
+          <a:bodyPr wrap="square" rtlCol="0">
+            <a:spAutoFit/>
+          </a:bodyPr>
+          <a:lstStyle/>
+          <a:p>
+            <a:r>
+              <a:rPr lang="en-US" altLang="ko-KR" dirty="0"/>
+              <a:t>H and H’ are fully equivalent to two-body observables</a:t>
+            </a:r>
+            <a:endParaRPr lang="ko-KR" altLang="en-US" dirty="0"/>
+          </a:p>
+        </p:txBody>
+      </p:sp>
+      <p:sp>
+        <p:nvSpPr>
+          <p:cNvPr id="9" name="TextBox 8"/>
+          <p:cNvSpPr txBox="1"/>
+          <p:nvPr/>
+        </p:nvSpPr>
+        <p:spPr>
+          <a:xfrm>
+            <a:off x="7420849" y="2693770"/>
+            <a:ext cx="2197223" cy="2122889"/>
+          </a:xfrm>
+          <a:prstGeom prst="rect">
+            <a:avLst/>
+          </a:prstGeom>
+          <a:noFill/>
+        </p:spPr>
+        <p:txBody>
+          <a:bodyPr wrap="square" rtlCol="0">
+            <a:spAutoFit/>
+          </a:bodyPr>
+          <a:lstStyle/>
+          <a:p>
+            <a:r>
+              <a:rPr lang="en-US" altLang="ko-KR" dirty="0"/>
+              <a:t>The</a:t>
+            </a:r>
+            <a:r>
+              <a:rPr lang="en-US" altLang="ko-KR" dirty="0">
+                <a:solidFill>
+                  <a:srgbClr val="FF0000"/>
+                </a:solidFill>
+              </a:rPr>
+              <a:t> goal </a:t>
+            </a:r>
+            <a:r>
+              <a:rPr lang="en-US" altLang="ko-KR" dirty="0"/>
+              <a:t>is to make the </a:t>
+            </a:r>
+            <a:r>
+              <a:rPr lang="en-US" altLang="ko-KR" dirty="0">
+                <a:solidFill>
+                  <a:srgbClr val="FF0000"/>
+                </a:solidFill>
+              </a:rPr>
+              <a:t>perturbation expansion</a:t>
+            </a:r>
+            <a:r>
+              <a:rPr lang="en-US" altLang="ko-KR" dirty="0"/>
+              <a:t> from “simple” wave function gives </a:t>
+            </a:r>
+            <a:r>
+              <a:rPr lang="en-US" altLang="ko-KR" dirty="0">
+                <a:solidFill>
+                  <a:srgbClr val="FF0000"/>
+                </a:solidFill>
+              </a:rPr>
+              <a:t>a good convergence</a:t>
+            </a:r>
+          </a:p>
+        </p:txBody>
+      </p:sp>
     </p:spTree>
     <p:extLst>
       <p:ext uri="{BB962C8B-B14F-4D97-AF65-F5344CB8AC3E}">
-        <p14:creationId xmlns:p14="http://schemas.microsoft.com/office/powerpoint/2010/main" val="2380996376"/>
+        <p14:creationId xmlns:p14="http://schemas.microsoft.com/office/powerpoint/2010/main" val="651524898"/>
       </p:ext>
     </p:extLst>
   </p:cSld>
@@ -12407,7 +12553,7 @@
         </p:nvSpPr>
         <p:spPr>
           <a:xfrm>
-            <a:off x="7786255" y="6369932"/>
+            <a:off x="7767782" y="6369932"/>
             <a:ext cx="2021465" cy="382412"/>
           </a:xfrm>
           <a:prstGeom prst="rect">
@@ -12430,7 +12576,7 @@
       </p:sp>
       <p:pic>
         <p:nvPicPr>
-          <p:cNvPr id="5" name="그림 4"/>
+          <p:cNvPr id="8" name="그림 7"/>
           <p:cNvPicPr>
             <a:picLocks noChangeAspect="1"/>
           </p:cNvPicPr>
@@ -12444,47 +12590,18 @@
         </p:blipFill>
         <p:spPr>
           <a:xfrm>
-            <a:off x="1239387" y="1940899"/>
-            <a:ext cx="7354202" cy="3533527"/>
+            <a:off x="758360" y="1571526"/>
+            <a:ext cx="8284039" cy="4295762"/>
           </a:xfrm>
           <a:prstGeom prst="rect">
             <a:avLst/>
           </a:prstGeom>
         </p:spPr>
       </p:pic>
-      <p:sp>
-        <p:nvSpPr>
-          <p:cNvPr id="4" name="TextBox 3"/>
-          <p:cNvSpPr txBox="1"/>
-          <p:nvPr/>
-        </p:nvSpPr>
-        <p:spPr>
-          <a:xfrm>
-            <a:off x="1496291" y="5805488"/>
-            <a:ext cx="5902036" cy="382412"/>
-          </a:xfrm>
-          <a:prstGeom prst="rect">
-            <a:avLst/>
-          </a:prstGeom>
-          <a:noFill/>
-        </p:spPr>
-        <p:txBody>
-          <a:bodyPr wrap="square" rtlCol="0">
-            <a:spAutoFit/>
-          </a:bodyPr>
-          <a:lstStyle/>
-          <a:p>
-            <a:r>
-              <a:rPr lang="en-US" dirty="0"/>
-              <a:t>Phase shifts from two interactions are different</a:t>
-            </a:r>
-          </a:p>
-        </p:txBody>
-      </p:sp>
     </p:spTree>
     <p:extLst>
       <p:ext uri="{BB962C8B-B14F-4D97-AF65-F5344CB8AC3E}">
-        <p14:creationId xmlns:p14="http://schemas.microsoft.com/office/powerpoint/2010/main" val="2348701507"/>
+        <p14:creationId xmlns:p14="http://schemas.microsoft.com/office/powerpoint/2010/main" val="2380996376"/>
       </p:ext>
     </p:extLst>
   </p:cSld>
@@ -12568,7 +12685,7 @@
         <p:spPr>
           <a:xfrm>
             <a:off x="7296087" y="3191054"/>
-            <a:ext cx="2011680" cy="672492"/>
+            <a:ext cx="2011680" cy="962571"/>
           </a:xfrm>
           <a:prstGeom prst="rect">
             <a:avLst/>
@@ -12597,7 +12714,17 @@
                   <a:srgbClr val="FF0000"/>
                 </a:solidFill>
               </a:rPr>
-              <a:t>collaboration</a:t>
+              <a:t>Collaboration</a:t>
+            </a:r>
+          </a:p>
+          <a:p>
+            <a:r>
+              <a:rPr lang="en-US" dirty="0">
+                <a:solidFill>
+                  <a:srgbClr val="FF0000"/>
+                </a:solidFill>
+              </a:rPr>
+              <a:t>Members</a:t>
             </a:r>
           </a:p>
         </p:txBody>
@@ -12662,8 +12789,8 @@
         </p:nvSpPr>
         <p:spPr>
           <a:xfrm>
-            <a:off x="7638474" y="6289601"/>
-            <a:ext cx="1874982" cy="382412"/>
+            <a:off x="7786255" y="6369932"/>
+            <a:ext cx="2021465" cy="382412"/>
           </a:xfrm>
           <a:prstGeom prst="rect">
             <a:avLst/>
@@ -12685,7 +12812,7 @@
       </p:sp>
       <p:pic>
         <p:nvPicPr>
-          <p:cNvPr id="4" name="그림 3"/>
+          <p:cNvPr id="5" name="그림 4"/>
           <p:cNvPicPr>
             <a:picLocks noChangeAspect="1"/>
           </p:cNvPicPr>
@@ -12699,8 +12826,8 @@
         </p:blipFill>
         <p:spPr>
           <a:xfrm>
-            <a:off x="699077" y="2042938"/>
-            <a:ext cx="5087060" cy="628738"/>
+            <a:off x="1239387" y="1940899"/>
+            <a:ext cx="7354202" cy="3533527"/>
           </a:xfrm>
           <a:prstGeom prst="rect">
             <a:avLst/>
@@ -12709,14 +12836,14 @@
       </p:pic>
       <p:sp>
         <p:nvSpPr>
-          <p:cNvPr id="5" name="TextBox 4"/>
+          <p:cNvPr id="4" name="TextBox 3"/>
           <p:cNvSpPr txBox="1"/>
           <p:nvPr/>
         </p:nvSpPr>
         <p:spPr>
           <a:xfrm>
-            <a:off x="757382" y="1592263"/>
-            <a:ext cx="5135418" cy="382412"/>
+            <a:off x="1496291" y="5805488"/>
+            <a:ext cx="5902036" cy="382412"/>
           </a:xfrm>
           <a:prstGeom prst="rect">
             <a:avLst/>
@@ -12731,117 +12858,15 @@
           <a:p>
             <a:r>
               <a:rPr lang="en-US" dirty="0"/>
-              <a:t>Introduce short range Unitary transformation</a:t>
-            </a:r>
-          </a:p>
-        </p:txBody>
-      </p:sp>
-      <p:pic>
-        <p:nvPicPr>
-          <p:cNvPr id="6" name="그림 5"/>
-          <p:cNvPicPr>
-            <a:picLocks noChangeAspect="1"/>
-          </p:cNvPicPr>
-          <p:nvPr/>
-        </p:nvPicPr>
-        <p:blipFill>
-          <a:blip r:embed="rId3"/>
-          <a:stretch>
-            <a:fillRect/>
-          </a:stretch>
-        </p:blipFill>
-        <p:spPr>
-          <a:xfrm>
-            <a:off x="757382" y="2759266"/>
-            <a:ext cx="3038899" cy="495369"/>
-          </a:xfrm>
-          <a:prstGeom prst="rect">
-            <a:avLst/>
-          </a:prstGeom>
-        </p:spPr>
-      </p:pic>
-      <p:pic>
-        <p:nvPicPr>
-          <p:cNvPr id="10" name="그림 9"/>
-          <p:cNvPicPr>
-            <a:picLocks noChangeAspect="1"/>
-          </p:cNvPicPr>
-          <p:nvPr/>
-        </p:nvPicPr>
-        <p:blipFill>
-          <a:blip r:embed="rId4"/>
-          <a:stretch>
-            <a:fillRect/>
-          </a:stretch>
-        </p:blipFill>
-        <p:spPr>
-          <a:xfrm>
-            <a:off x="688455" y="3392488"/>
-            <a:ext cx="3724795" cy="590632"/>
-          </a:xfrm>
-          <a:prstGeom prst="rect">
-            <a:avLst/>
-          </a:prstGeom>
-        </p:spPr>
-      </p:pic>
-      <p:sp>
-        <p:nvSpPr>
-          <p:cNvPr id="11" name="TextBox 10"/>
-          <p:cNvSpPr txBox="1"/>
-          <p:nvPr/>
-        </p:nvSpPr>
-        <p:spPr>
-          <a:xfrm>
-            <a:off x="868218" y="4488873"/>
-            <a:ext cx="6936509" cy="962571"/>
-          </a:xfrm>
-          <a:prstGeom prst="rect">
-            <a:avLst/>
-          </a:prstGeom>
-          <a:noFill/>
-        </p:spPr>
-        <p:txBody>
-          <a:bodyPr wrap="square" rtlCol="0">
-            <a:spAutoFit/>
-          </a:bodyPr>
-          <a:lstStyle/>
-          <a:p>
-            <a:r>
-              <a:rPr lang="en-US" dirty="0"/>
-              <a:t>Two potentials V_A and V’_A are unitarily equivalent.</a:t>
-            </a:r>
-          </a:p>
-          <a:p>
-            <a:pPr marL="342900" indent="-342900">
-              <a:buFont typeface="Wingdings" panose="05000000000000000000" pitchFamily="2" charset="2"/>
-              <a:buChar char="à"/>
-            </a:pPr>
-            <a:r>
-              <a:rPr lang="en-US" dirty="0">
-                <a:sym typeface="Wingdings" panose="05000000000000000000" pitchFamily="2" charset="2"/>
-              </a:rPr>
-              <a:t>Same phase shifts.</a:t>
-            </a:r>
-          </a:p>
-          <a:p>
-            <a:pPr marL="342900" indent="-342900">
-              <a:buFont typeface="Wingdings" panose="05000000000000000000" pitchFamily="2" charset="2"/>
-              <a:buChar char="à"/>
-            </a:pPr>
-            <a:r>
-              <a:rPr lang="en-US" dirty="0">
-                <a:sym typeface="Wingdings" panose="05000000000000000000" pitchFamily="2" charset="2"/>
-              </a:rPr>
-              <a:t>H’_A has eigenvectors of H_B, but eigenvalues of H_A </a:t>
-            </a:r>
-            <a:endParaRPr lang="en-US" dirty="0"/>
+              <a:t>Phase shifts from two interactions are different</a:t>
+            </a:r>
           </a:p>
         </p:txBody>
       </p:sp>
     </p:spTree>
     <p:extLst>
       <p:ext uri="{BB962C8B-B14F-4D97-AF65-F5344CB8AC3E}">
-        <p14:creationId xmlns:p14="http://schemas.microsoft.com/office/powerpoint/2010/main" val="3832574558"/>
+        <p14:creationId xmlns:p14="http://schemas.microsoft.com/office/powerpoint/2010/main" val="2348701507"/>
       </p:ext>
     </p:extLst>
   </p:cSld>
@@ -12878,12 +12903,7 @@
             <p:ph type="title"/>
           </p:nvPr>
         </p:nvSpPr>
-        <p:spPr>
-          <a:xfrm>
-            <a:off x="598056" y="557868"/>
-            <a:ext cx="8915400" cy="990600"/>
-          </a:xfrm>
-        </p:spPr>
+        <p:spPr/>
         <p:txBody>
           <a:bodyPr/>
           <a:lstStyle/>
@@ -12926,7 +12946,7 @@
       </p:sp>
       <p:pic>
         <p:nvPicPr>
-          <p:cNvPr id="9" name="그림 8"/>
+          <p:cNvPr id="4" name="그림 3"/>
           <p:cNvPicPr>
             <a:picLocks noChangeAspect="1"/>
           </p:cNvPicPr>
@@ -12940,8 +12960,8 @@
         </p:blipFill>
         <p:spPr>
           <a:xfrm>
-            <a:off x="472455" y="1613903"/>
-            <a:ext cx="8888065" cy="4191585"/>
+            <a:off x="699077" y="2042938"/>
+            <a:ext cx="5087060" cy="628738"/>
           </a:xfrm>
           <a:prstGeom prst="rect">
             <a:avLst/>
@@ -12950,14 +12970,14 @@
       </p:pic>
       <p:sp>
         <p:nvSpPr>
-          <p:cNvPr id="12" name="TextBox 11"/>
+          <p:cNvPr id="5" name="TextBox 4"/>
           <p:cNvSpPr txBox="1"/>
           <p:nvPr/>
         </p:nvSpPr>
         <p:spPr>
           <a:xfrm>
-            <a:off x="598056" y="5709442"/>
-            <a:ext cx="6936509" cy="962571"/>
+            <a:off x="757382" y="1592263"/>
+            <a:ext cx="5135418" cy="382412"/>
           </a:xfrm>
           <a:prstGeom prst="rect">
             <a:avLst/>
@@ -12972,6 +12992,83 @@
           <a:p>
             <a:r>
               <a:rPr lang="en-US" dirty="0"/>
+              <a:t>Introduce short range Unitary transformation</a:t>
+            </a:r>
+          </a:p>
+        </p:txBody>
+      </p:sp>
+      <p:pic>
+        <p:nvPicPr>
+          <p:cNvPr id="6" name="그림 5"/>
+          <p:cNvPicPr>
+            <a:picLocks noChangeAspect="1"/>
+          </p:cNvPicPr>
+          <p:nvPr/>
+        </p:nvPicPr>
+        <p:blipFill>
+          <a:blip r:embed="rId3"/>
+          <a:stretch>
+            <a:fillRect/>
+          </a:stretch>
+        </p:blipFill>
+        <p:spPr>
+          <a:xfrm>
+            <a:off x="757382" y="2759266"/>
+            <a:ext cx="3038899" cy="495369"/>
+          </a:xfrm>
+          <a:prstGeom prst="rect">
+            <a:avLst/>
+          </a:prstGeom>
+        </p:spPr>
+      </p:pic>
+      <p:pic>
+        <p:nvPicPr>
+          <p:cNvPr id="10" name="그림 9"/>
+          <p:cNvPicPr>
+            <a:picLocks noChangeAspect="1"/>
+          </p:cNvPicPr>
+          <p:nvPr/>
+        </p:nvPicPr>
+        <p:blipFill>
+          <a:blip r:embed="rId4"/>
+          <a:stretch>
+            <a:fillRect/>
+          </a:stretch>
+        </p:blipFill>
+        <p:spPr>
+          <a:xfrm>
+            <a:off x="688455" y="3392488"/>
+            <a:ext cx="3724795" cy="590632"/>
+          </a:xfrm>
+          <a:prstGeom prst="rect">
+            <a:avLst/>
+          </a:prstGeom>
+        </p:spPr>
+      </p:pic>
+      <p:sp>
+        <p:nvSpPr>
+          <p:cNvPr id="11" name="TextBox 10"/>
+          <p:cNvSpPr txBox="1"/>
+          <p:nvPr/>
+        </p:nvSpPr>
+        <p:spPr>
+          <a:xfrm>
+            <a:off x="868218" y="4488873"/>
+            <a:ext cx="6936509" cy="962571"/>
+          </a:xfrm>
+          <a:prstGeom prst="rect">
+            <a:avLst/>
+          </a:prstGeom>
+          <a:noFill/>
+        </p:spPr>
+        <p:txBody>
+          <a:bodyPr wrap="square" rtlCol="0">
+            <a:spAutoFit/>
+          </a:bodyPr>
+          <a:lstStyle/>
+          <a:p>
+            <a:r>
+              <a:rPr lang="en-US" dirty="0"/>
               <a:t>Two potentials V_A and V’_A are unitarily equivalent.</a:t>
             </a:r>
           </a:p>
@@ -13005,7 +13102,7 @@
     </p:spTree>
     <p:extLst>
       <p:ext uri="{BB962C8B-B14F-4D97-AF65-F5344CB8AC3E}">
-        <p14:creationId xmlns:p14="http://schemas.microsoft.com/office/powerpoint/2010/main" val="3647637569"/>
+        <p14:creationId xmlns:p14="http://schemas.microsoft.com/office/powerpoint/2010/main" val="3832574558"/>
       </p:ext>
     </p:extLst>
   </p:cSld>
@@ -13042,7 +13139,12 @@
             <p:ph type="title"/>
           </p:nvPr>
         </p:nvSpPr>
-        <p:spPr/>
+        <p:spPr>
+          <a:xfrm>
+            <a:off x="598056" y="557868"/>
+            <a:ext cx="8915400" cy="990600"/>
+          </a:xfrm>
+        </p:spPr>
         <p:txBody>
           <a:bodyPr/>
           <a:lstStyle/>
@@ -13062,8 +13164,8 @@
         </p:nvSpPr>
         <p:spPr>
           <a:xfrm>
-            <a:off x="7884535" y="6369932"/>
-            <a:ext cx="2021465" cy="382412"/>
+            <a:off x="7638474" y="6289601"/>
+            <a:ext cx="1874982" cy="382412"/>
           </a:xfrm>
           <a:prstGeom prst="rect">
             <a:avLst/>
@@ -13083,44 +13185,9 @@
           </a:p>
         </p:txBody>
       </p:sp>
-      <p:sp>
-        <p:nvSpPr>
-          <p:cNvPr id="5" name="TextBox 4"/>
-          <p:cNvSpPr txBox="1"/>
-          <p:nvPr/>
-        </p:nvSpPr>
-        <p:spPr>
-          <a:xfrm>
-            <a:off x="655781" y="5486400"/>
-            <a:ext cx="8959273" cy="672492"/>
-          </a:xfrm>
-          <a:prstGeom prst="rect">
-            <a:avLst/>
-          </a:prstGeom>
-          <a:noFill/>
-        </p:spPr>
-        <p:txBody>
-          <a:bodyPr wrap="square" rtlCol="0">
-            <a:spAutoFit/>
-          </a:bodyPr>
-          <a:lstStyle/>
-          <a:p>
-            <a:r>
-              <a:rPr lang="en-US" dirty="0"/>
-              <a:t>Energy from Perturbation theory with H’_A  works better.  </a:t>
-            </a:r>
-          </a:p>
-          <a:p>
-            <a:r>
-              <a:rPr lang="en-US" dirty="0"/>
-              <a:t>Difference H_A- H’_A can be treated as a correction.</a:t>
-            </a:r>
-          </a:p>
-        </p:txBody>
-      </p:sp>
       <p:pic>
         <p:nvPicPr>
-          <p:cNvPr id="6" name="그림 5"/>
+          <p:cNvPr id="9" name="그림 8"/>
           <p:cNvPicPr>
             <a:picLocks noChangeAspect="1"/>
           </p:cNvPicPr>
@@ -13134,18 +13201,72 @@
         </p:blipFill>
         <p:spPr>
           <a:xfrm>
-            <a:off x="655781" y="1450284"/>
-            <a:ext cx="7346415" cy="3884407"/>
+            <a:off x="472455" y="1613903"/>
+            <a:ext cx="8888065" cy="4191585"/>
           </a:xfrm>
           <a:prstGeom prst="rect">
             <a:avLst/>
           </a:prstGeom>
         </p:spPr>
       </p:pic>
+      <p:sp>
+        <p:nvSpPr>
+          <p:cNvPr id="12" name="TextBox 11"/>
+          <p:cNvSpPr txBox="1"/>
+          <p:nvPr/>
+        </p:nvSpPr>
+        <p:spPr>
+          <a:xfrm>
+            <a:off x="598056" y="5709442"/>
+            <a:ext cx="6936509" cy="962571"/>
+          </a:xfrm>
+          <a:prstGeom prst="rect">
+            <a:avLst/>
+          </a:prstGeom>
+          <a:noFill/>
+        </p:spPr>
+        <p:txBody>
+          <a:bodyPr wrap="square" rtlCol="0">
+            <a:spAutoFit/>
+          </a:bodyPr>
+          <a:lstStyle/>
+          <a:p>
+            <a:r>
+              <a:rPr lang="en-US" dirty="0"/>
+              <a:t>Two potentials V_A and V’_A are unitarily equivalent.</a:t>
+            </a:r>
+          </a:p>
+          <a:p>
+            <a:pPr marL="342900" indent="-342900">
+              <a:buFont typeface="Wingdings" panose="05000000000000000000" pitchFamily="2" charset="2"/>
+              <a:buChar char="à"/>
+            </a:pPr>
+            <a:r>
+              <a:rPr lang="en-US" dirty="0">
+                <a:sym typeface="Wingdings" panose="05000000000000000000" pitchFamily="2" charset="2"/>
+              </a:rPr>
+              <a:t>Same phase shifts.</a:t>
+            </a:r>
+          </a:p>
+          <a:p>
+            <a:pPr marL="342900" indent="-342900">
+              <a:buFont typeface="Wingdings" panose="05000000000000000000" pitchFamily="2" charset="2"/>
+              <a:buChar char="à"/>
+            </a:pPr>
+            <a:r>
+              <a:rPr lang="en-US" dirty="0">
+                <a:sym typeface="Wingdings" panose="05000000000000000000" pitchFamily="2" charset="2"/>
+              </a:rPr>
+              <a:t>H’_A has eigenvectors of H_B, but eigenvalues of H_A </a:t>
+            </a:r>
+            <a:endParaRPr lang="en-US" dirty="0"/>
+          </a:p>
+        </p:txBody>
+      </p:sp>
     </p:spTree>
     <p:extLst>
       <p:ext uri="{BB962C8B-B14F-4D97-AF65-F5344CB8AC3E}">
-        <p14:creationId xmlns:p14="http://schemas.microsoft.com/office/powerpoint/2010/main" val="1740398508"/>
+        <p14:creationId xmlns:p14="http://schemas.microsoft.com/office/powerpoint/2010/main" val="3647637569"/>
       </p:ext>
     </p:extLst>
   </p:cSld>
@@ -13188,16 +13309,79 @@
           <a:lstStyle/>
           <a:p>
             <a:r>
-              <a:rPr lang="en-US" altLang="ko-KR" dirty="0"/>
-              <a:t>Wave function matching</a:t>
-            </a:r>
-            <a:endParaRPr lang="ko-KR" altLang="en-US" dirty="0"/>
+              <a:rPr lang="en-US" dirty="0"/>
+              <a:t>Wave Function Matching</a:t>
+            </a:r>
+          </a:p>
+        </p:txBody>
+      </p:sp>
+      <p:sp>
+        <p:nvSpPr>
+          <p:cNvPr id="3" name="TextBox 2"/>
+          <p:cNvSpPr txBox="1"/>
+          <p:nvPr/>
+        </p:nvSpPr>
+        <p:spPr>
+          <a:xfrm>
+            <a:off x="7884535" y="6369932"/>
+            <a:ext cx="2021465" cy="382412"/>
+          </a:xfrm>
+          <a:prstGeom prst="rect">
+            <a:avLst/>
+          </a:prstGeom>
+          <a:noFill/>
+        </p:spPr>
+        <p:txBody>
+          <a:bodyPr wrap="square" rtlCol="0">
+            <a:spAutoFit/>
+          </a:bodyPr>
+          <a:lstStyle/>
+          <a:p>
+            <a:r>
+              <a:rPr lang="en-US" dirty="0"/>
+              <a:t>From Dean Lee</a:t>
+            </a:r>
+          </a:p>
+        </p:txBody>
+      </p:sp>
+      <p:sp>
+        <p:nvSpPr>
+          <p:cNvPr id="5" name="TextBox 4"/>
+          <p:cNvSpPr txBox="1"/>
+          <p:nvPr/>
+        </p:nvSpPr>
+        <p:spPr>
+          <a:xfrm>
+            <a:off x="655781" y="5486400"/>
+            <a:ext cx="8959273" cy="672492"/>
+          </a:xfrm>
+          <a:prstGeom prst="rect">
+            <a:avLst/>
+          </a:prstGeom>
+          <a:noFill/>
+        </p:spPr>
+        <p:txBody>
+          <a:bodyPr wrap="square" rtlCol="0">
+            <a:spAutoFit/>
+          </a:bodyPr>
+          <a:lstStyle/>
+          <a:p>
+            <a:r>
+              <a:rPr lang="en-US" dirty="0"/>
+              <a:t>Energy from Perturbation theory with H’_A  works better.  </a:t>
+            </a:r>
+          </a:p>
+          <a:p>
+            <a:r>
+              <a:rPr lang="en-US" dirty="0"/>
+              <a:t>Difference H_A- H’_A can be treated as a correction.</a:t>
+            </a:r>
           </a:p>
         </p:txBody>
       </p:sp>
       <p:pic>
         <p:nvPicPr>
-          <p:cNvPr id="4" name="그림 3"/>
+          <p:cNvPr id="6" name="그림 5"/>
           <p:cNvPicPr>
             <a:picLocks noChangeAspect="1"/>
           </p:cNvPicPr>
@@ -13211,192 +13395,18 @@
         </p:blipFill>
         <p:spPr>
           <a:xfrm>
-            <a:off x="307975" y="1438275"/>
-            <a:ext cx="7112874" cy="4870450"/>
+            <a:off x="655781" y="1450284"/>
+            <a:ext cx="7346415" cy="3884407"/>
           </a:xfrm>
           <a:prstGeom prst="rect">
             <a:avLst/>
           </a:prstGeom>
         </p:spPr>
       </p:pic>
-      <p:sp>
-        <p:nvSpPr>
-          <p:cNvPr id="5" name="TextBox 4"/>
-          <p:cNvSpPr txBox="1"/>
-          <p:nvPr/>
-        </p:nvSpPr>
-        <p:spPr>
-          <a:xfrm>
-            <a:off x="997219" y="4913507"/>
-            <a:ext cx="1811714" cy="672492"/>
-          </a:xfrm>
-          <a:prstGeom prst="rect">
-            <a:avLst/>
-          </a:prstGeom>
-          <a:noFill/>
-        </p:spPr>
-        <p:txBody>
-          <a:bodyPr wrap="none" rtlCol="0">
-            <a:spAutoFit/>
-          </a:bodyPr>
-          <a:lstStyle/>
-          <a:p>
-            <a:r>
-              <a:rPr lang="en-US" altLang="ko-KR" dirty="0"/>
-              <a:t>U is only active</a:t>
-            </a:r>
-          </a:p>
-          <a:p>
-            <a:r>
-              <a:rPr lang="en-US" altLang="ko-KR" dirty="0"/>
-              <a:t>At r &lt; R</a:t>
-            </a:r>
-          </a:p>
-        </p:txBody>
-      </p:sp>
-      <p:pic>
-        <p:nvPicPr>
-          <p:cNvPr id="6" name="그림 5"/>
-          <p:cNvPicPr>
-            <a:picLocks noChangeAspect="1"/>
-          </p:cNvPicPr>
-          <p:nvPr/>
-        </p:nvPicPr>
-        <p:blipFill>
-          <a:blip r:embed="rId3"/>
-          <a:stretch>
-            <a:fillRect/>
-          </a:stretch>
-        </p:blipFill>
-        <p:spPr>
-          <a:xfrm>
-            <a:off x="3283795" y="3945551"/>
-            <a:ext cx="3697298" cy="470678"/>
-          </a:xfrm>
-          <a:prstGeom prst="rect">
-            <a:avLst/>
-          </a:prstGeom>
-        </p:spPr>
-      </p:pic>
-      <p:pic>
-        <p:nvPicPr>
-          <p:cNvPr id="7" name="그림 6"/>
-          <p:cNvPicPr>
-            <a:picLocks noChangeAspect="1"/>
-          </p:cNvPicPr>
-          <p:nvPr/>
-        </p:nvPicPr>
-        <p:blipFill>
-          <a:blip r:embed="rId4"/>
-          <a:stretch>
-            <a:fillRect/>
-          </a:stretch>
-        </p:blipFill>
-        <p:spPr>
-          <a:xfrm>
-            <a:off x="4129968" y="4454309"/>
-            <a:ext cx="2004951" cy="459198"/>
-          </a:xfrm>
-          <a:prstGeom prst="rect">
-            <a:avLst/>
-          </a:prstGeom>
-        </p:spPr>
-      </p:pic>
-      <p:sp>
-        <p:nvSpPr>
-          <p:cNvPr id="8" name="TextBox 7"/>
-          <p:cNvSpPr txBox="1"/>
-          <p:nvPr/>
-        </p:nvSpPr>
-        <p:spPr>
-          <a:xfrm>
-            <a:off x="7420849" y="1524000"/>
-            <a:ext cx="2078904" cy="962571"/>
-          </a:xfrm>
-          <a:prstGeom prst="rect">
-            <a:avLst/>
-          </a:prstGeom>
-          <a:noFill/>
-        </p:spPr>
-        <p:txBody>
-          <a:bodyPr wrap="square" rtlCol="0">
-            <a:spAutoFit/>
-          </a:bodyPr>
-          <a:lstStyle/>
-          <a:p>
-            <a:r>
-              <a:rPr lang="en-US" altLang="ko-KR" dirty="0"/>
-              <a:t>H and H’ are fully equivalent to two-body observables</a:t>
-            </a:r>
-            <a:endParaRPr lang="ko-KR" altLang="en-US" dirty="0"/>
-          </a:p>
-        </p:txBody>
-      </p:sp>
-      <p:sp>
-        <p:nvSpPr>
-          <p:cNvPr id="9" name="TextBox 8"/>
-          <p:cNvSpPr txBox="1"/>
-          <p:nvPr/>
-        </p:nvSpPr>
-        <p:spPr>
-          <a:xfrm>
-            <a:off x="7420849" y="2693770"/>
-            <a:ext cx="2197223" cy="2122889"/>
-          </a:xfrm>
-          <a:prstGeom prst="rect">
-            <a:avLst/>
-          </a:prstGeom>
-          <a:noFill/>
-        </p:spPr>
-        <p:txBody>
-          <a:bodyPr wrap="square" rtlCol="0">
-            <a:spAutoFit/>
-          </a:bodyPr>
-          <a:lstStyle/>
-          <a:p>
-            <a:r>
-              <a:rPr lang="en-US" altLang="ko-KR" dirty="0"/>
-              <a:t>The</a:t>
-            </a:r>
-            <a:r>
-              <a:rPr lang="en-US" altLang="ko-KR" dirty="0">
-                <a:solidFill>
-                  <a:srgbClr val="FF0000"/>
-                </a:solidFill>
-              </a:rPr>
-              <a:t> goal </a:t>
-            </a:r>
-            <a:r>
-              <a:rPr lang="en-US" altLang="ko-KR" dirty="0"/>
-              <a:t>is to make the </a:t>
-            </a:r>
-            <a:r>
-              <a:rPr lang="en-US" altLang="ko-KR" dirty="0">
-                <a:solidFill>
-                  <a:srgbClr val="FF0000"/>
-                </a:solidFill>
-              </a:rPr>
-              <a:t>perturbation expansion</a:t>
-            </a:r>
-            <a:r>
-              <a:rPr lang="en-US" altLang="ko-KR" dirty="0"/>
-              <a:t> from “simple” wave function gives </a:t>
-            </a:r>
-            <a:r>
-              <a:rPr lang="en-US" altLang="ko-KR" dirty="0">
-                <a:solidFill>
-                  <a:srgbClr val="FF0000"/>
-                </a:solidFill>
-              </a:rPr>
-              <a:t>a good convergence</a:t>
-            </a:r>
-          </a:p>
-        </p:txBody>
-      </p:sp>
     </p:spTree>
     <p:extLst>
       <p:ext uri="{BB962C8B-B14F-4D97-AF65-F5344CB8AC3E}">
-        <p14:creationId xmlns:p14="http://schemas.microsoft.com/office/powerpoint/2010/main" val="651524898"/>
+        <p14:creationId xmlns:p14="http://schemas.microsoft.com/office/powerpoint/2010/main" val="1740398508"/>
       </p:ext>
     </p:extLst>
   </p:cSld>
@@ -14264,9 +14274,243 @@
           </a:prstGeom>
         </p:spPr>
       </p:pic>
+      <p:sp>
+        <p:nvSpPr>
+          <p:cNvPr id="11" name="직사각형 10"/>
+          <p:cNvSpPr/>
+          <p:nvPr/>
+        </p:nvSpPr>
+        <p:spPr>
+          <a:xfrm>
+            <a:off x="495300" y="6348547"/>
+            <a:ext cx="2876428" cy="382412"/>
+          </a:xfrm>
+          <a:prstGeom prst="rect">
+            <a:avLst/>
+          </a:prstGeom>
+        </p:spPr>
+        <p:txBody>
+          <a:bodyPr wrap="none">
+            <a:spAutoFit/>
+          </a:bodyPr>
+          <a:lstStyle/>
+          <a:p>
+            <a:r>
+              <a:rPr lang="en-US" dirty="0"/>
+              <a:t>PRL 117, 132501 (2016) </a:t>
+            </a:r>
+          </a:p>
+        </p:txBody>
+      </p:sp>
+    </p:spTree>
+    <p:extLst>
+      <p:ext uri="{BB962C8B-B14F-4D97-AF65-F5344CB8AC3E}">
+        <p14:creationId xmlns:p14="http://schemas.microsoft.com/office/powerpoint/2010/main" val="3809585864"/>
+      </p:ext>
+    </p:extLst>
+  </p:cSld>
+  <p:clrMapOvr>
+    <a:masterClrMapping/>
+  </p:clrMapOvr>
+</p:sld>
+</file>
+
+<file path=ppt/slides/slide29.xml><?xml version="1.0" encoding="utf-8"?>
+<p:sld xmlns:a="http://schemas.openxmlformats.org/drawingml/2006/main" xmlns:r="http://schemas.openxmlformats.org/officeDocument/2006/relationships" xmlns:p="http://schemas.openxmlformats.org/presentationml/2006/main">
+  <p:cSld>
+    <p:spTree>
+      <p:nvGrpSpPr>
+        <p:cNvPr id="1" name="">
+          <a:extLst>
+            <a:ext uri="{FF2B5EF4-FFF2-40B4-BE49-F238E27FC236}">
+              <a16:creationId xmlns:a16="http://schemas.microsoft.com/office/drawing/2014/main" id="{F4857CA0-45CC-DC6B-75C0-15D6C73ADC1A}"/>
+            </a:ext>
+          </a:extLst>
+        </p:cNvPr>
+        <p:cNvGrpSpPr/>
+        <p:nvPr/>
+      </p:nvGrpSpPr>
+      <p:grpSpPr>
+        <a:xfrm>
+          <a:off x="0" y="0"/>
+          <a:ext cx="0" cy="0"/>
+          <a:chOff x="0" y="0"/>
+          <a:chExt cx="0" cy="0"/>
+        </a:xfrm>
+      </p:grpSpPr>
+      <p:sp>
+        <p:nvSpPr>
+          <p:cNvPr id="2" name="제목 1">
+            <a:extLst>
+              <a:ext uri="{FF2B5EF4-FFF2-40B4-BE49-F238E27FC236}">
+                <a16:creationId xmlns:a16="http://schemas.microsoft.com/office/drawing/2014/main" id="{F91EA8AC-EDC6-70DF-0418-CF604D5EB48C}"/>
+              </a:ext>
+            </a:extLst>
+          </p:cNvPr>
+          <p:cNvSpPr>
+            <a:spLocks noGrp="1"/>
+          </p:cNvSpPr>
+          <p:nvPr>
+            <p:ph type="title"/>
+          </p:nvPr>
+        </p:nvSpPr>
+        <p:spPr/>
+        <p:txBody>
+          <a:bodyPr/>
+          <a:lstStyle/>
+          <a:p>
+            <a:r>
+              <a:rPr lang="en-US" dirty="0"/>
+              <a:t>Tale of two interactions</a:t>
+            </a:r>
+          </a:p>
+        </p:txBody>
+      </p:sp>
+      <p:sp>
+        <p:nvSpPr>
+          <p:cNvPr id="3" name="TextBox 2">
+            <a:extLst>
+              <a:ext uri="{FF2B5EF4-FFF2-40B4-BE49-F238E27FC236}">
+                <a16:creationId xmlns:a16="http://schemas.microsoft.com/office/drawing/2014/main" id="{FEC02E05-5FA5-7362-022B-710061AAD73F}"/>
+              </a:ext>
+            </a:extLst>
+          </p:cNvPr>
+          <p:cNvSpPr txBox="1"/>
+          <p:nvPr/>
+        </p:nvSpPr>
+        <p:spPr>
+          <a:xfrm>
+            <a:off x="397164" y="1592263"/>
+            <a:ext cx="8803986" cy="672492"/>
+          </a:xfrm>
+          <a:prstGeom prst="rect">
+            <a:avLst/>
+          </a:prstGeom>
+          <a:noFill/>
+        </p:spPr>
+        <p:txBody>
+          <a:bodyPr wrap="square" rtlCol="0">
+            <a:spAutoFit/>
+          </a:bodyPr>
+          <a:lstStyle/>
+          <a:p>
+            <a:r>
+              <a:rPr lang="en-US" dirty="0"/>
+              <a:t>Nearly identical two interactions can give quite different phase:</a:t>
+            </a:r>
+          </a:p>
+          <a:p>
+            <a:r>
+              <a:rPr lang="en-US" dirty="0"/>
+              <a:t>   sensitivity to range and locality of interaction </a:t>
+            </a:r>
+          </a:p>
+        </p:txBody>
+      </p:sp>
+      <p:sp>
+        <p:nvSpPr>
+          <p:cNvPr id="5" name="TextBox 4">
+            <a:extLst>
+              <a:ext uri="{FF2B5EF4-FFF2-40B4-BE49-F238E27FC236}">
+                <a16:creationId xmlns:a16="http://schemas.microsoft.com/office/drawing/2014/main" id="{B6A8D5E0-D000-7B90-D8E9-A790958D9E83}"/>
+              </a:ext>
+            </a:extLst>
+          </p:cNvPr>
+          <p:cNvSpPr txBox="1"/>
+          <p:nvPr/>
+        </p:nvSpPr>
+        <p:spPr>
+          <a:xfrm>
+            <a:off x="5860472" y="6425799"/>
+            <a:ext cx="4045528" cy="382412"/>
+          </a:xfrm>
+          <a:prstGeom prst="rect">
+            <a:avLst/>
+          </a:prstGeom>
+          <a:noFill/>
+        </p:spPr>
+        <p:txBody>
+          <a:bodyPr wrap="square" rtlCol="0">
+            <a:spAutoFit/>
+          </a:bodyPr>
+          <a:lstStyle/>
+          <a:p>
+            <a:r>
+              <a:rPr lang="en-US" dirty="0"/>
+              <a:t>From presentation file by Dean Lee</a:t>
+            </a:r>
+          </a:p>
+        </p:txBody>
+      </p:sp>
       <p:pic>
         <p:nvPicPr>
-          <p:cNvPr id="8" name="그림 7"/>
+          <p:cNvPr id="6" name="그림 5">
+            <a:extLst>
+              <a:ext uri="{FF2B5EF4-FFF2-40B4-BE49-F238E27FC236}">
+                <a16:creationId xmlns:a16="http://schemas.microsoft.com/office/drawing/2014/main" id="{886053A9-3167-0D33-DE1E-801229853D48}"/>
+              </a:ext>
+            </a:extLst>
+          </p:cNvPr>
+          <p:cNvPicPr>
+            <a:picLocks noChangeAspect="1"/>
+          </p:cNvPicPr>
+          <p:nvPr/>
+        </p:nvPicPr>
+        <p:blipFill>
+          <a:blip r:embed="rId2"/>
+          <a:stretch>
+            <a:fillRect/>
+          </a:stretch>
+        </p:blipFill>
+        <p:spPr>
+          <a:xfrm>
+            <a:off x="495300" y="4225217"/>
+            <a:ext cx="1933845" cy="2200582"/>
+          </a:xfrm>
+          <a:prstGeom prst="rect">
+            <a:avLst/>
+          </a:prstGeom>
+        </p:spPr>
+      </p:pic>
+      <p:pic>
+        <p:nvPicPr>
+          <p:cNvPr id="7" name="그림 6">
+            <a:extLst>
+              <a:ext uri="{FF2B5EF4-FFF2-40B4-BE49-F238E27FC236}">
+                <a16:creationId xmlns:a16="http://schemas.microsoft.com/office/drawing/2014/main" id="{6CF439E6-17D9-FD8B-3B4D-81B6794F4BE9}"/>
+              </a:ext>
+            </a:extLst>
+          </p:cNvPr>
+          <p:cNvPicPr>
+            <a:picLocks noChangeAspect="1"/>
+          </p:cNvPicPr>
+          <p:nvPr/>
+        </p:nvPicPr>
+        <p:blipFill>
+          <a:blip r:embed="rId3"/>
+          <a:stretch>
+            <a:fillRect/>
+          </a:stretch>
+        </p:blipFill>
+        <p:spPr>
+          <a:xfrm>
+            <a:off x="758245" y="2333018"/>
+            <a:ext cx="8316486" cy="1752845"/>
+          </a:xfrm>
+          <a:prstGeom prst="rect">
+            <a:avLst/>
+          </a:prstGeom>
+        </p:spPr>
+      </p:pic>
+      <p:pic>
+        <p:nvPicPr>
+          <p:cNvPr id="8" name="그림 7">
+            <a:extLst>
+              <a:ext uri="{FF2B5EF4-FFF2-40B4-BE49-F238E27FC236}">
+                <a16:creationId xmlns:a16="http://schemas.microsoft.com/office/drawing/2014/main" id="{555D0613-D8AD-2A52-DDA6-BE1B6A4C9530}"/>
+              </a:ext>
+            </a:extLst>
+          </p:cNvPr>
           <p:cNvPicPr>
             <a:picLocks noChangeAspect="1"/>
           </p:cNvPicPr>
@@ -14290,7 +14534,13 @@
       </p:pic>
       <p:sp>
         <p:nvSpPr>
-          <p:cNvPr id="9" name="TextBox 8"/>
+          <p:cNvPr id="9" name="TextBox 8">
+            <a:extLst>
+              <a:ext uri="{FF2B5EF4-FFF2-40B4-BE49-F238E27FC236}">
+                <a16:creationId xmlns:a16="http://schemas.microsoft.com/office/drawing/2014/main" id="{AFF581F4-C82C-AEF5-63C6-EB70B8B10675}"/>
+              </a:ext>
+            </a:extLst>
+          </p:cNvPr>
           <p:cNvSpPr txBox="1"/>
           <p:nvPr/>
         </p:nvSpPr>
@@ -14319,7 +14569,13 @@
       </p:sp>
       <p:sp>
         <p:nvSpPr>
-          <p:cNvPr id="11" name="직사각형 10"/>
+          <p:cNvPr id="11" name="직사각형 10">
+            <a:extLst>
+              <a:ext uri="{FF2B5EF4-FFF2-40B4-BE49-F238E27FC236}">
+                <a16:creationId xmlns:a16="http://schemas.microsoft.com/office/drawing/2014/main" id="{1B8B3748-552B-49E2-AEAB-E27DEA665A8D}"/>
+              </a:ext>
+            </a:extLst>
+          </p:cNvPr>
           <p:cNvSpPr/>
           <p:nvPr/>
         </p:nvSpPr>
@@ -14348,7 +14604,7 @@
     </p:spTree>
     <p:extLst>
       <p:ext uri="{BB962C8B-B14F-4D97-AF65-F5344CB8AC3E}">
-        <p14:creationId xmlns:p14="http://schemas.microsoft.com/office/powerpoint/2010/main" val="3809585864"/>
+        <p14:creationId xmlns:p14="http://schemas.microsoft.com/office/powerpoint/2010/main" val="2142911884"/>
       </p:ext>
     </p:extLst>
   </p:cSld>
@@ -14433,411 +14689,6 @@
 </p:sld>
 </file>
 
-<file path=ppt/slides/slide29.xml><?xml version="1.0" encoding="utf-8"?>
-<p:sld xmlns:a="http://schemas.openxmlformats.org/drawingml/2006/main" xmlns:r="http://schemas.openxmlformats.org/officeDocument/2006/relationships" xmlns:p="http://schemas.openxmlformats.org/presentationml/2006/main">
-  <p:cSld>
-    <p:spTree>
-      <p:nvGrpSpPr>
-        <p:cNvPr id="1" name=""/>
-        <p:cNvGrpSpPr/>
-        <p:nvPr/>
-      </p:nvGrpSpPr>
-      <p:grpSpPr>
-        <a:xfrm>
-          <a:off x="0" y="0"/>
-          <a:ext cx="0" cy="0"/>
-          <a:chOff x="0" y="0"/>
-          <a:chExt cx="0" cy="0"/>
-        </a:xfrm>
-      </p:grpSpPr>
-      <p:sp>
-        <p:nvSpPr>
-          <p:cNvPr id="2" name="제목 1"/>
-          <p:cNvSpPr>
-            <a:spLocks noGrp="1"/>
-          </p:cNvSpPr>
-          <p:nvPr>
-            <p:ph type="title"/>
-          </p:nvPr>
-        </p:nvSpPr>
-        <p:spPr/>
-        <p:txBody>
-          <a:bodyPr/>
-          <a:lstStyle/>
-          <a:p>
-            <a:r>
-              <a:rPr lang="en-US" dirty="0"/>
-              <a:t>3-body force</a:t>
-            </a:r>
-          </a:p>
-        </p:txBody>
-      </p:sp>
-      <p:pic>
-        <p:nvPicPr>
-          <p:cNvPr id="3" name="그림 2"/>
-          <p:cNvPicPr>
-            <a:picLocks noChangeAspect="1"/>
-          </p:cNvPicPr>
-          <p:nvPr/>
-        </p:nvPicPr>
-        <p:blipFill>
-          <a:blip r:embed="rId2"/>
-          <a:stretch>
-            <a:fillRect/>
-          </a:stretch>
-        </p:blipFill>
-        <p:spPr>
-          <a:xfrm>
-            <a:off x="303955" y="1524000"/>
-            <a:ext cx="2714510" cy="2136669"/>
-          </a:xfrm>
-          <a:prstGeom prst="rect">
-            <a:avLst/>
-          </a:prstGeom>
-        </p:spPr>
-      </p:pic>
-      <p:pic>
-        <p:nvPicPr>
-          <p:cNvPr id="4" name="그림 3"/>
-          <p:cNvPicPr>
-            <a:picLocks noChangeAspect="1"/>
-          </p:cNvPicPr>
-          <p:nvPr/>
-        </p:nvPicPr>
-        <p:blipFill>
-          <a:blip r:embed="rId3"/>
-          <a:stretch>
-            <a:fillRect/>
-          </a:stretch>
-        </p:blipFill>
-        <p:spPr>
-          <a:xfrm>
-            <a:off x="3241152" y="1592263"/>
-            <a:ext cx="4105848" cy="600159"/>
-          </a:xfrm>
-          <a:prstGeom prst="rect">
-            <a:avLst/>
-          </a:prstGeom>
-        </p:spPr>
-      </p:pic>
-      <p:pic>
-        <p:nvPicPr>
-          <p:cNvPr id="5" name="그림 4"/>
-          <p:cNvPicPr>
-            <a:picLocks noChangeAspect="1"/>
-          </p:cNvPicPr>
-          <p:nvPr/>
-        </p:nvPicPr>
-        <p:blipFill>
-          <a:blip r:embed="rId4"/>
-          <a:stretch>
-            <a:fillRect/>
-          </a:stretch>
-        </p:blipFill>
-        <p:spPr>
-          <a:xfrm>
-            <a:off x="3456040" y="2163649"/>
-            <a:ext cx="3381847" cy="857370"/>
-          </a:xfrm>
-          <a:prstGeom prst="rect">
-            <a:avLst/>
-          </a:prstGeom>
-        </p:spPr>
-      </p:pic>
-      <p:pic>
-        <p:nvPicPr>
-          <p:cNvPr id="6" name="그림 5"/>
-          <p:cNvPicPr>
-            <a:picLocks noChangeAspect="1"/>
-          </p:cNvPicPr>
-          <p:nvPr/>
-        </p:nvPicPr>
-        <p:blipFill>
-          <a:blip r:embed="rId5"/>
-          <a:stretch>
-            <a:fillRect/>
-          </a:stretch>
-        </p:blipFill>
-        <p:spPr>
-          <a:xfrm>
-            <a:off x="3456040" y="3021019"/>
-            <a:ext cx="5225673" cy="837767"/>
-          </a:xfrm>
-          <a:prstGeom prst="rect">
-            <a:avLst/>
-          </a:prstGeom>
-        </p:spPr>
-      </p:pic>
-      <p:pic>
-        <p:nvPicPr>
-          <p:cNvPr id="7" name="그림 6"/>
-          <p:cNvPicPr>
-            <a:picLocks noChangeAspect="1"/>
-          </p:cNvPicPr>
-          <p:nvPr/>
-        </p:nvPicPr>
-        <p:blipFill>
-          <a:blip r:embed="rId6"/>
-          <a:stretch>
-            <a:fillRect/>
-          </a:stretch>
-        </p:blipFill>
-        <p:spPr>
-          <a:xfrm>
-            <a:off x="2907627" y="3858786"/>
-            <a:ext cx="6887536" cy="1438476"/>
-          </a:xfrm>
-          <a:prstGeom prst="rect">
-            <a:avLst/>
-          </a:prstGeom>
-        </p:spPr>
-      </p:pic>
-      <p:pic>
-        <p:nvPicPr>
-          <p:cNvPr id="9" name="그림 8"/>
-          <p:cNvPicPr>
-            <a:picLocks noChangeAspect="1"/>
-          </p:cNvPicPr>
-          <p:nvPr/>
-        </p:nvPicPr>
-        <p:blipFill>
-          <a:blip r:embed="rId7"/>
-          <a:stretch>
-            <a:fillRect/>
-          </a:stretch>
-        </p:blipFill>
-        <p:spPr>
-          <a:xfrm>
-            <a:off x="3139370" y="5456360"/>
-            <a:ext cx="6030167" cy="762106"/>
-          </a:xfrm>
-          <a:prstGeom prst="rect">
-            <a:avLst/>
-          </a:prstGeom>
-          <a:ln>
-            <a:solidFill>
-              <a:srgbClr val="FF0000"/>
-            </a:solidFill>
-          </a:ln>
-        </p:spPr>
-      </p:pic>
-      <p:sp>
-        <p:nvSpPr>
-          <p:cNvPr id="10" name="TextBox 9"/>
-          <p:cNvSpPr txBox="1"/>
-          <p:nvPr/>
-        </p:nvSpPr>
-        <p:spPr>
-          <a:xfrm>
-            <a:off x="381013" y="3668433"/>
-            <a:ext cx="1413164" cy="380705"/>
-          </a:xfrm>
-          <a:prstGeom prst="rect">
-            <a:avLst/>
-          </a:prstGeom>
-          <a:noFill/>
-        </p:spPr>
-        <p:txBody>
-          <a:bodyPr wrap="square" rtlCol="0">
-            <a:spAutoFit/>
-          </a:bodyPr>
-          <a:lstStyle/>
-          <a:p>
-            <a:r>
-              <a:rPr lang="en-US" dirty="0"/>
-              <a:t>NNLO</a:t>
-            </a:r>
-          </a:p>
-        </p:txBody>
-      </p:sp>
-      <p:pic>
-        <p:nvPicPr>
-          <p:cNvPr id="11" name="그림 10"/>
-          <p:cNvPicPr>
-            <a:picLocks noChangeAspect="1"/>
-          </p:cNvPicPr>
-          <p:nvPr/>
-        </p:nvPicPr>
-        <p:blipFill>
-          <a:blip r:embed="rId8"/>
-          <a:stretch>
-            <a:fillRect/>
-          </a:stretch>
-        </p:blipFill>
-        <p:spPr>
-          <a:xfrm>
-            <a:off x="2778654" y="6360128"/>
-            <a:ext cx="1314633" cy="400106"/>
-          </a:xfrm>
-          <a:prstGeom prst="rect">
-            <a:avLst/>
-          </a:prstGeom>
-          <a:ln>
-            <a:solidFill>
-              <a:srgbClr val="FF0000"/>
-            </a:solidFill>
-          </a:ln>
-        </p:spPr>
-      </p:pic>
-      <p:pic>
-        <p:nvPicPr>
-          <p:cNvPr id="12" name="그림 11"/>
-          <p:cNvPicPr>
-            <a:picLocks noChangeAspect="1"/>
-          </p:cNvPicPr>
-          <p:nvPr/>
-        </p:nvPicPr>
-        <p:blipFill>
-          <a:blip r:embed="rId9"/>
-          <a:stretch>
-            <a:fillRect/>
-          </a:stretch>
-        </p:blipFill>
-        <p:spPr>
-          <a:xfrm>
-            <a:off x="4537421" y="6360128"/>
-            <a:ext cx="1238423" cy="381053"/>
-          </a:xfrm>
-          <a:prstGeom prst="rect">
-            <a:avLst/>
-          </a:prstGeom>
-          <a:ln>
-            <a:solidFill>
-              <a:srgbClr val="FF0000"/>
-            </a:solidFill>
-          </a:ln>
-        </p:spPr>
-      </p:pic>
-      <p:pic>
-        <p:nvPicPr>
-          <p:cNvPr id="13" name="그림 12"/>
-          <p:cNvPicPr>
-            <a:picLocks noChangeAspect="1"/>
-          </p:cNvPicPr>
-          <p:nvPr/>
-        </p:nvPicPr>
-        <p:blipFill>
-          <a:blip r:embed="rId10"/>
-          <a:stretch>
-            <a:fillRect/>
-          </a:stretch>
-        </p:blipFill>
-        <p:spPr>
-          <a:xfrm>
-            <a:off x="6219978" y="6377565"/>
-            <a:ext cx="1267002" cy="409632"/>
-          </a:xfrm>
-          <a:prstGeom prst="rect">
-            <a:avLst/>
-          </a:prstGeom>
-          <a:ln>
-            <a:solidFill>
-              <a:srgbClr val="FF0000"/>
-            </a:solidFill>
-          </a:ln>
-        </p:spPr>
-      </p:pic>
-      <p:pic>
-        <p:nvPicPr>
-          <p:cNvPr id="14" name="그림 13"/>
-          <p:cNvPicPr>
-            <a:picLocks noChangeAspect="1"/>
-          </p:cNvPicPr>
-          <p:nvPr/>
-        </p:nvPicPr>
-        <p:blipFill>
-          <a:blip r:embed="rId11"/>
-          <a:stretch>
-            <a:fillRect/>
-          </a:stretch>
-        </p:blipFill>
-        <p:spPr>
-          <a:xfrm>
-            <a:off x="7902535" y="6377565"/>
-            <a:ext cx="1267002" cy="438211"/>
-          </a:xfrm>
-          <a:prstGeom prst="rect">
-            <a:avLst/>
-          </a:prstGeom>
-          <a:ln>
-            <a:solidFill>
-              <a:srgbClr val="FF0000"/>
-            </a:solidFill>
-          </a:ln>
-        </p:spPr>
-      </p:pic>
-      <p:sp>
-        <p:nvSpPr>
-          <p:cNvPr id="8" name="TextBox 7"/>
-          <p:cNvSpPr txBox="1"/>
-          <p:nvPr/>
-        </p:nvSpPr>
-        <p:spPr>
-          <a:xfrm>
-            <a:off x="383335" y="4909115"/>
-            <a:ext cx="2122042" cy="1252651"/>
-          </a:xfrm>
-          <a:prstGeom prst="rect">
-            <a:avLst/>
-          </a:prstGeom>
-          <a:noFill/>
-        </p:spPr>
-        <p:txBody>
-          <a:bodyPr wrap="square" rtlCol="0">
-            <a:spAutoFit/>
-          </a:bodyPr>
-          <a:lstStyle/>
-          <a:p>
-            <a:r>
-              <a:rPr lang="en-US" dirty="0"/>
-              <a:t>At N3LO:</a:t>
-            </a:r>
-          </a:p>
-          <a:p>
-            <a:r>
-              <a:rPr lang="en-US" dirty="0"/>
-              <a:t>TPE and </a:t>
-            </a:r>
-          </a:p>
-          <a:p>
-            <a:r>
-              <a:rPr lang="en-US" dirty="0"/>
-              <a:t>Adjustments to </a:t>
-            </a:r>
-          </a:p>
-          <a:p>
-            <a:r>
-              <a:rPr lang="en-US" dirty="0" err="1"/>
-              <a:t>cD</a:t>
-            </a:r>
-            <a:r>
-              <a:rPr lang="en-US" dirty="0"/>
-              <a:t> and </a:t>
-            </a:r>
-            <a:r>
-              <a:rPr lang="en-US" dirty="0" err="1"/>
-              <a:t>cE</a:t>
-            </a:r>
-            <a:r>
-              <a:rPr lang="en-US" dirty="0"/>
-              <a:t> terms.</a:t>
-            </a:r>
-          </a:p>
-        </p:txBody>
-      </p:sp>
-    </p:spTree>
-    <p:extLst>
-      <p:ext uri="{BB962C8B-B14F-4D97-AF65-F5344CB8AC3E}">
-        <p14:creationId xmlns:p14="http://schemas.microsoft.com/office/powerpoint/2010/main" val="3564317762"/>
-      </p:ext>
-    </p:extLst>
-  </p:cSld>
-  <p:clrMapOvr>
-    <a:masterClrMapping/>
-  </p:clrMapOvr>
-</p:sld>
-</file>
-
 <file path=ppt/slides/slide3.xml><?xml version="1.0" encoding="utf-8"?>
 <p:sld xmlns:a="http://schemas.openxmlformats.org/drawingml/2006/main" xmlns:r="http://schemas.openxmlformats.org/officeDocument/2006/relationships" xmlns:p="http://schemas.openxmlformats.org/presentationml/2006/main">
   <p:cSld>
@@ -15066,6 +14917,68 @@
           </a:prstGeom>
         </p:spPr>
       </p:pic>
+      <p:sp>
+        <p:nvSpPr>
+          <p:cNvPr id="5" name="TextBox 4">
+            <a:extLst>
+              <a:ext uri="{FF2B5EF4-FFF2-40B4-BE49-F238E27FC236}">
+                <a16:creationId xmlns:a16="http://schemas.microsoft.com/office/drawing/2014/main" id="{E54260F2-2D84-FCA9-0579-C18F5D0765B4}"/>
+              </a:ext>
+            </a:extLst>
+          </p:cNvPr>
+          <p:cNvSpPr txBox="1"/>
+          <p:nvPr/>
+        </p:nvSpPr>
+        <p:spPr>
+          <a:xfrm>
+            <a:off x="495300" y="5060725"/>
+            <a:ext cx="3779808" cy="1542730"/>
+          </a:xfrm>
+          <a:prstGeom prst="rect">
+            <a:avLst/>
+          </a:prstGeom>
+          <a:noFill/>
+        </p:spPr>
+        <p:txBody>
+          <a:bodyPr wrap="square" rtlCol="0">
+            <a:spAutoFit/>
+          </a:bodyPr>
+          <a:lstStyle/>
+          <a:p>
+            <a:r>
+              <a:rPr lang="en-US" altLang="ko-KR" dirty="0"/>
+              <a:t>Dream: Lattice QCD </a:t>
+            </a:r>
+          </a:p>
+          <a:p>
+            <a:pPr marL="342900" indent="-342900">
+              <a:buFont typeface="Wingdings" panose="05000000000000000000" pitchFamily="2" charset="2"/>
+              <a:buChar char="è"/>
+            </a:pPr>
+            <a:r>
+              <a:rPr lang="en-US" altLang="ko-KR" dirty="0"/>
+              <a:t>NN , NNN interaction</a:t>
+            </a:r>
+          </a:p>
+          <a:p>
+            <a:pPr marL="342900" indent="-342900">
+              <a:buFont typeface="Wingdings" panose="05000000000000000000" pitchFamily="2" charset="2"/>
+              <a:buChar char="è"/>
+            </a:pPr>
+            <a:r>
+              <a:rPr lang="en-US" altLang="ko-KR" dirty="0"/>
+              <a:t>Effective interactions/models</a:t>
+            </a:r>
+          </a:p>
+          <a:p>
+            <a:r>
+              <a:rPr lang="en-US" altLang="ko-KR" dirty="0"/>
+              <a:t>    (shell model, DFT, optical potential, collective excitation)</a:t>
+            </a:r>
+            <a:endParaRPr lang="ko-KR" altLang="en-US" dirty="0"/>
+          </a:p>
+        </p:txBody>
+      </p:sp>
     </p:spTree>
     <p:extLst>
       <p:ext uri="{BB962C8B-B14F-4D97-AF65-F5344CB8AC3E}">
@@ -15118,127 +15031,9 @@
           </a:p>
         </p:txBody>
       </p:sp>
-      <p:sp>
-        <p:nvSpPr>
-          <p:cNvPr id="8" name="TextBox 7"/>
-          <p:cNvSpPr txBox="1"/>
-          <p:nvPr/>
-        </p:nvSpPr>
-        <p:spPr>
-          <a:xfrm>
-            <a:off x="329046" y="1592263"/>
-            <a:ext cx="4677063" cy="3539430"/>
-          </a:xfrm>
-          <a:prstGeom prst="rect">
-            <a:avLst/>
-          </a:prstGeom>
-          <a:noFill/>
-        </p:spPr>
-        <p:txBody>
-          <a:bodyPr wrap="square" rtlCol="0">
-            <a:spAutoFit/>
-          </a:bodyPr>
-          <a:lstStyle/>
-          <a:p>
-            <a:r>
-              <a:rPr lang="en-US" sz="1600" dirty="0"/>
-              <a:t>Tune 3-body interaction to minimize errors </a:t>
-            </a:r>
-          </a:p>
-          <a:p>
-            <a:r>
-              <a:rPr lang="en-US" sz="1600" dirty="0"/>
-              <a:t>in binding energy</a:t>
-            </a:r>
-          </a:p>
-          <a:p>
-            <a:endParaRPr lang="en-US" sz="1600" dirty="0"/>
-          </a:p>
-          <a:p>
-            <a:r>
-              <a:rPr lang="en-US" sz="1600" dirty="0"/>
-              <a:t>Just one additional parameter, </a:t>
-            </a:r>
-          </a:p>
-          <a:p>
-            <a:r>
-              <a:rPr lang="en-US" sz="1600" dirty="0"/>
-              <a:t>RMSD for the E/A</a:t>
-            </a:r>
-          </a:p>
-          <a:p>
-            <a:r>
-              <a:rPr lang="en-US" sz="1600" dirty="0"/>
-              <a:t>drops from 1.2 MeV to 0.4 MeV</a:t>
-            </a:r>
-          </a:p>
-          <a:p>
-            <a:endParaRPr lang="en-US" sz="1600" dirty="0"/>
-          </a:p>
-          <a:p>
-            <a:r>
-              <a:rPr lang="en-US" sz="1600" dirty="0"/>
-              <a:t>Energies </a:t>
-            </a:r>
-          </a:p>
-          <a:p>
-            <a:pPr marL="342900" indent="-342900">
-              <a:buFont typeface="Wingdings" panose="05000000000000000000" pitchFamily="2" charset="2"/>
-              <a:buChar char="à"/>
-            </a:pPr>
-            <a:r>
-              <a:rPr lang="en-US" sz="1600" dirty="0">
-                <a:sym typeface="Wingdings" panose="05000000000000000000" pitchFamily="2" charset="2"/>
-              </a:rPr>
-              <a:t>Significant sensitivity to </a:t>
-            </a:r>
-          </a:p>
-          <a:p>
-            <a:r>
-              <a:rPr lang="en-US" sz="1600" dirty="0">
-                <a:sym typeface="Wingdings" panose="05000000000000000000" pitchFamily="2" charset="2"/>
-              </a:rPr>
-              <a:t>      the locality of 3N interactions.</a:t>
-            </a:r>
-          </a:p>
-          <a:p>
-            <a:r>
-              <a:rPr lang="en-US" sz="1600" dirty="0">
-                <a:sym typeface="Wingdings" panose="05000000000000000000" pitchFamily="2" charset="2"/>
-              </a:rPr>
-              <a:t> </a:t>
-            </a:r>
-          </a:p>
-          <a:p>
-            <a:r>
-              <a:rPr lang="en-US" sz="1600" dirty="0">
-                <a:sym typeface="Wingdings" panose="05000000000000000000" pitchFamily="2" charset="2"/>
-              </a:rPr>
-              <a:t>We interpret they are related with </a:t>
-            </a:r>
-          </a:p>
-          <a:p>
-            <a:r>
-              <a:rPr lang="en-US" sz="1600" dirty="0">
-                <a:sym typeface="Wingdings" panose="05000000000000000000" pitchFamily="2" charset="2"/>
-              </a:rPr>
-              <a:t>effective interactions </a:t>
-            </a:r>
-          </a:p>
-          <a:p>
-            <a:r>
-              <a:rPr lang="en-US" sz="1600" dirty="0">
-                <a:sym typeface="Wingdings" panose="05000000000000000000" pitchFamily="2" charset="2"/>
-              </a:rPr>
-              <a:t>between alphas and nucleons. </a:t>
-            </a:r>
-            <a:endParaRPr lang="en-US" sz="1600" dirty="0"/>
-          </a:p>
-        </p:txBody>
-      </p:sp>
       <p:pic>
         <p:nvPicPr>
-          <p:cNvPr id="19" name="그림 18"/>
+          <p:cNvPr id="3" name="그림 2"/>
           <p:cNvPicPr>
             <a:picLocks noChangeAspect="1"/>
           </p:cNvPicPr>
@@ -15252,8 +15047,8 @@
         </p:blipFill>
         <p:spPr>
           <a:xfrm>
-            <a:off x="6207898" y="4373113"/>
-            <a:ext cx="3202802" cy="1975247"/>
+            <a:off x="303955" y="1524000"/>
+            <a:ext cx="2714510" cy="2136669"/>
           </a:xfrm>
           <a:prstGeom prst="rect">
             <a:avLst/>
@@ -15262,7 +15057,7 @@
       </p:pic>
       <p:pic>
         <p:nvPicPr>
-          <p:cNvPr id="20" name="그림 19"/>
+          <p:cNvPr id="4" name="그림 3"/>
           <p:cNvPicPr>
             <a:picLocks noChangeAspect="1"/>
           </p:cNvPicPr>
@@ -15276,8 +15071,8 @@
         </p:blipFill>
         <p:spPr>
           <a:xfrm>
-            <a:off x="5190324" y="1524000"/>
-            <a:ext cx="4452358" cy="2244638"/>
+            <a:off x="3241152" y="1592263"/>
+            <a:ext cx="4105848" cy="600159"/>
           </a:xfrm>
           <a:prstGeom prst="rect">
             <a:avLst/>
@@ -15286,7 +15081,7 @@
       </p:pic>
       <p:pic>
         <p:nvPicPr>
-          <p:cNvPr id="21" name="그림 20"/>
+          <p:cNvPr id="5" name="그림 4"/>
           <p:cNvPicPr>
             <a:picLocks noChangeAspect="1"/>
           </p:cNvPicPr>
@@ -15300,24 +15095,101 @@
         </p:blipFill>
         <p:spPr>
           <a:xfrm>
-            <a:off x="329046" y="5481593"/>
-            <a:ext cx="5163271" cy="323895"/>
+            <a:off x="3456040" y="2163649"/>
+            <a:ext cx="3381847" cy="857370"/>
           </a:xfrm>
           <a:prstGeom prst="rect">
             <a:avLst/>
           </a:prstGeom>
         </p:spPr>
       </p:pic>
-      <p:sp>
-        <p:nvSpPr>
-          <p:cNvPr id="22" name="TextBox 21"/>
+      <p:pic>
+        <p:nvPicPr>
+          <p:cNvPr id="6" name="그림 5"/>
+          <p:cNvPicPr>
+            <a:picLocks noChangeAspect="1"/>
+          </p:cNvPicPr>
+          <p:nvPr/>
+        </p:nvPicPr>
+        <p:blipFill>
+          <a:blip r:embed="rId5"/>
+          <a:stretch>
+            <a:fillRect/>
+          </a:stretch>
+        </p:blipFill>
+        <p:spPr>
+          <a:xfrm>
+            <a:off x="3456040" y="3021019"/>
+            <a:ext cx="5225673" cy="837767"/>
+          </a:xfrm>
+          <a:prstGeom prst="rect">
+            <a:avLst/>
+          </a:prstGeom>
+        </p:spPr>
+      </p:pic>
+      <p:pic>
+        <p:nvPicPr>
+          <p:cNvPr id="7" name="그림 6"/>
+          <p:cNvPicPr>
+            <a:picLocks noChangeAspect="1"/>
+          </p:cNvPicPr>
+          <p:nvPr/>
+        </p:nvPicPr>
+        <p:blipFill>
+          <a:blip r:embed="rId6"/>
+          <a:stretch>
+            <a:fillRect/>
+          </a:stretch>
+        </p:blipFill>
+        <p:spPr>
+          <a:xfrm>
+            <a:off x="2907627" y="3858786"/>
+            <a:ext cx="6887536" cy="1438476"/>
+          </a:xfrm>
+          <a:prstGeom prst="rect">
+            <a:avLst/>
+          </a:prstGeom>
+        </p:spPr>
+      </p:pic>
+      <p:pic>
+        <p:nvPicPr>
+          <p:cNvPr id="9" name="그림 8"/>
+          <p:cNvPicPr>
+            <a:picLocks noChangeAspect="1"/>
+          </p:cNvPicPr>
+          <p:nvPr/>
+        </p:nvPicPr>
+        <p:blipFill>
+          <a:blip r:embed="rId7"/>
+          <a:stretch>
+            <a:fillRect/>
+          </a:stretch>
+        </p:blipFill>
+        <p:spPr>
+          <a:xfrm>
+            <a:off x="3139370" y="5456360"/>
+            <a:ext cx="6030167" cy="762106"/>
+          </a:xfrm>
+          <a:prstGeom prst="rect">
+            <a:avLst/>
+          </a:prstGeom>
+          <a:ln>
+            <a:solidFill>
+              <a:srgbClr val="FF0000"/>
+            </a:solidFill>
+          </a:ln>
+        </p:spPr>
+      </p:pic>
+      <p:sp>
+        <p:nvSpPr>
+          <p:cNvPr id="10" name="TextBox 9"/>
           <p:cNvSpPr txBox="1"/>
           <p:nvPr/>
         </p:nvSpPr>
         <p:spPr>
           <a:xfrm>
-            <a:off x="280014" y="5805488"/>
-            <a:ext cx="5032147" cy="672492"/>
+            <a:off x="381013" y="3668433"/>
+            <a:ext cx="1413164" cy="380705"/>
           </a:xfrm>
           <a:prstGeom prst="rect">
             <a:avLst/>
@@ -15325,20 +15197,189 @@
           <a:noFill/>
         </p:spPr>
         <p:txBody>
-          <a:bodyPr wrap="none" rtlCol="0">
+          <a:bodyPr wrap="square" rtlCol="0">
             <a:spAutoFit/>
           </a:bodyPr>
           <a:lstStyle/>
           <a:p>
             <a:r>
               <a:rPr lang="en-US" dirty="0"/>
-              <a:t>Significantly high w/o additional 3-body terms</a:t>
-            </a:r>
-          </a:p>
+              <a:t>NNLO</a:t>
+            </a:r>
+          </a:p>
+        </p:txBody>
+      </p:sp>
+      <p:pic>
+        <p:nvPicPr>
+          <p:cNvPr id="11" name="그림 10"/>
+          <p:cNvPicPr>
+            <a:picLocks noChangeAspect="1"/>
+          </p:cNvPicPr>
+          <p:nvPr/>
+        </p:nvPicPr>
+        <p:blipFill>
+          <a:blip r:embed="rId8"/>
+          <a:stretch>
+            <a:fillRect/>
+          </a:stretch>
+        </p:blipFill>
+        <p:spPr>
+          <a:xfrm>
+            <a:off x="2778654" y="6360128"/>
+            <a:ext cx="1314633" cy="400106"/>
+          </a:xfrm>
+          <a:prstGeom prst="rect">
+            <a:avLst/>
+          </a:prstGeom>
+          <a:ln>
+            <a:solidFill>
+              <a:srgbClr val="FF0000"/>
+            </a:solidFill>
+          </a:ln>
+        </p:spPr>
+      </p:pic>
+      <p:pic>
+        <p:nvPicPr>
+          <p:cNvPr id="12" name="그림 11"/>
+          <p:cNvPicPr>
+            <a:picLocks noChangeAspect="1"/>
+          </p:cNvPicPr>
+          <p:nvPr/>
+        </p:nvPicPr>
+        <p:blipFill>
+          <a:blip r:embed="rId9"/>
+          <a:stretch>
+            <a:fillRect/>
+          </a:stretch>
+        </p:blipFill>
+        <p:spPr>
+          <a:xfrm>
+            <a:off x="4537421" y="6360128"/>
+            <a:ext cx="1238423" cy="381053"/>
+          </a:xfrm>
+          <a:prstGeom prst="rect">
+            <a:avLst/>
+          </a:prstGeom>
+          <a:ln>
+            <a:solidFill>
+              <a:srgbClr val="FF0000"/>
+            </a:solidFill>
+          </a:ln>
+        </p:spPr>
+      </p:pic>
+      <p:pic>
+        <p:nvPicPr>
+          <p:cNvPr id="13" name="그림 12"/>
+          <p:cNvPicPr>
+            <a:picLocks noChangeAspect="1"/>
+          </p:cNvPicPr>
+          <p:nvPr/>
+        </p:nvPicPr>
+        <p:blipFill>
+          <a:blip r:embed="rId10"/>
+          <a:stretch>
+            <a:fillRect/>
+          </a:stretch>
+        </p:blipFill>
+        <p:spPr>
+          <a:xfrm>
+            <a:off x="6219978" y="6377565"/>
+            <a:ext cx="1267002" cy="409632"/>
+          </a:xfrm>
+          <a:prstGeom prst="rect">
+            <a:avLst/>
+          </a:prstGeom>
+          <a:ln>
+            <a:solidFill>
+              <a:srgbClr val="FF0000"/>
+            </a:solidFill>
+          </a:ln>
+        </p:spPr>
+      </p:pic>
+      <p:pic>
+        <p:nvPicPr>
+          <p:cNvPr id="14" name="그림 13"/>
+          <p:cNvPicPr>
+            <a:picLocks noChangeAspect="1"/>
+          </p:cNvPicPr>
+          <p:nvPr/>
+        </p:nvPicPr>
+        <p:blipFill>
+          <a:blip r:embed="rId11"/>
+          <a:stretch>
+            <a:fillRect/>
+          </a:stretch>
+        </p:blipFill>
+        <p:spPr>
+          <a:xfrm>
+            <a:off x="7902535" y="6377565"/>
+            <a:ext cx="1267002" cy="438211"/>
+          </a:xfrm>
+          <a:prstGeom prst="rect">
+            <a:avLst/>
+          </a:prstGeom>
+          <a:ln>
+            <a:solidFill>
+              <a:srgbClr val="FF0000"/>
+            </a:solidFill>
+          </a:ln>
+        </p:spPr>
+      </p:pic>
+      <p:sp>
+        <p:nvSpPr>
+          <p:cNvPr id="8" name="TextBox 7"/>
+          <p:cNvSpPr txBox="1"/>
+          <p:nvPr/>
+        </p:nvSpPr>
+        <p:spPr>
+          <a:xfrm>
+            <a:off x="383335" y="4909115"/>
+            <a:ext cx="2122042" cy="1252651"/>
+          </a:xfrm>
+          <a:prstGeom prst="rect">
+            <a:avLst/>
+          </a:prstGeom>
+          <a:noFill/>
+        </p:spPr>
+        <p:txBody>
+          <a:bodyPr wrap="square" rtlCol="0">
+            <a:spAutoFit/>
+          </a:bodyPr>
+          <a:lstStyle/>
           <a:p>
             <a:r>
               <a:rPr lang="en-US" dirty="0"/>
-              <a:t>: alpha-alpha should be more attractive.</a:t>
+              <a:t>At N3LO:</a:t>
+            </a:r>
+          </a:p>
+          <a:p>
+            <a:r>
+              <a:rPr lang="en-US" dirty="0"/>
+              <a:t>TPE and </a:t>
+            </a:r>
+          </a:p>
+          <a:p>
+            <a:r>
+              <a:rPr lang="en-US" dirty="0"/>
+              <a:t>Adjustments to </a:t>
+            </a:r>
+          </a:p>
+          <a:p>
+            <a:r>
+              <a:rPr lang="en-US" dirty="0" err="1"/>
+              <a:t>cD</a:t>
+            </a:r>
+            <a:r>
+              <a:rPr lang="en-US" dirty="0"/>
+              <a:t> and </a:t>
+            </a:r>
+            <a:r>
+              <a:rPr lang="en-US" dirty="0" err="1"/>
+              <a:t>cE</a:t>
+            </a:r>
+            <a:r>
+              <a:rPr lang="en-US" dirty="0"/>
+              <a:t> terms.</a:t>
             </a:r>
           </a:p>
         </p:txBody>
@@ -15346,7 +15387,7 @@
     </p:spTree>
     <p:extLst>
       <p:ext uri="{BB962C8B-B14F-4D97-AF65-F5344CB8AC3E}">
-        <p14:creationId xmlns:p14="http://schemas.microsoft.com/office/powerpoint/2010/main" val="1793680295"/>
+        <p14:creationId xmlns:p14="http://schemas.microsoft.com/office/powerpoint/2010/main" val="3564317762"/>
       </p:ext>
     </p:extLst>
   </p:cSld>
@@ -15390,14 +15431,132 @@
           <a:p>
             <a:r>
               <a:rPr lang="en-US" dirty="0"/>
-              <a:t>Determine 3-body force parameters</a:t>
-            </a:r>
+              <a:t>3-body force</a:t>
+            </a:r>
+          </a:p>
+        </p:txBody>
+      </p:sp>
+      <p:sp>
+        <p:nvSpPr>
+          <p:cNvPr id="8" name="TextBox 7"/>
+          <p:cNvSpPr txBox="1"/>
+          <p:nvPr/>
+        </p:nvSpPr>
+        <p:spPr>
+          <a:xfrm>
+            <a:off x="329046" y="1592263"/>
+            <a:ext cx="4677063" cy="3539430"/>
+          </a:xfrm>
+          <a:prstGeom prst="rect">
+            <a:avLst/>
+          </a:prstGeom>
+          <a:noFill/>
+        </p:spPr>
+        <p:txBody>
+          <a:bodyPr wrap="square" rtlCol="0">
+            <a:spAutoFit/>
+          </a:bodyPr>
+          <a:lstStyle/>
+          <a:p>
+            <a:r>
+              <a:rPr lang="en-US" sz="1600" dirty="0"/>
+              <a:t>Tune 3-body interaction to minimize errors </a:t>
+            </a:r>
+          </a:p>
+          <a:p>
+            <a:r>
+              <a:rPr lang="en-US" sz="1600" dirty="0"/>
+              <a:t>in binding energy</a:t>
+            </a:r>
+          </a:p>
+          <a:p>
+            <a:endParaRPr lang="en-US" sz="1600" dirty="0"/>
+          </a:p>
+          <a:p>
+            <a:r>
+              <a:rPr lang="en-US" sz="1600" dirty="0"/>
+              <a:t>Just one additional parameter, </a:t>
+            </a:r>
+          </a:p>
+          <a:p>
+            <a:r>
+              <a:rPr lang="en-US" sz="1600" dirty="0"/>
+              <a:t>RMSD for the E/A</a:t>
+            </a:r>
+          </a:p>
+          <a:p>
+            <a:r>
+              <a:rPr lang="en-US" sz="1600" dirty="0"/>
+              <a:t>drops from 1.2 MeV to 0.4 MeV</a:t>
+            </a:r>
+          </a:p>
+          <a:p>
+            <a:endParaRPr lang="en-US" sz="1600" dirty="0"/>
+          </a:p>
+          <a:p>
+            <a:r>
+              <a:rPr lang="en-US" sz="1600" dirty="0"/>
+              <a:t>Energies </a:t>
+            </a:r>
+          </a:p>
+          <a:p>
+            <a:pPr marL="342900" indent="-342900">
+              <a:buFont typeface="Wingdings" panose="05000000000000000000" pitchFamily="2" charset="2"/>
+              <a:buChar char="à"/>
+            </a:pPr>
+            <a:r>
+              <a:rPr lang="en-US" sz="1600" dirty="0">
+                <a:sym typeface="Wingdings" panose="05000000000000000000" pitchFamily="2" charset="2"/>
+              </a:rPr>
+              <a:t>Significant sensitivity to </a:t>
+            </a:r>
+          </a:p>
+          <a:p>
+            <a:r>
+              <a:rPr lang="en-US" sz="1600" dirty="0">
+                <a:sym typeface="Wingdings" panose="05000000000000000000" pitchFamily="2" charset="2"/>
+              </a:rPr>
+              <a:t>      the locality of 3N interactions.</a:t>
+            </a:r>
+          </a:p>
+          <a:p>
+            <a:r>
+              <a:rPr lang="en-US" sz="1600" dirty="0">
+                <a:sym typeface="Wingdings" panose="05000000000000000000" pitchFamily="2" charset="2"/>
+              </a:rPr>
+              <a:t> </a:t>
+            </a:r>
+          </a:p>
+          <a:p>
+            <a:r>
+              <a:rPr lang="en-US" sz="1600" dirty="0">
+                <a:sym typeface="Wingdings" panose="05000000000000000000" pitchFamily="2" charset="2"/>
+              </a:rPr>
+              <a:t>We interpret they are related with </a:t>
+            </a:r>
+          </a:p>
+          <a:p>
+            <a:r>
+              <a:rPr lang="en-US" sz="1600" dirty="0">
+                <a:sym typeface="Wingdings" panose="05000000000000000000" pitchFamily="2" charset="2"/>
+              </a:rPr>
+              <a:t>effective interactions </a:t>
+            </a:r>
+          </a:p>
+          <a:p>
+            <a:r>
+              <a:rPr lang="en-US" sz="1600" dirty="0">
+                <a:sym typeface="Wingdings" panose="05000000000000000000" pitchFamily="2" charset="2"/>
+              </a:rPr>
+              <a:t>between alphas and nucleons. </a:t>
+            </a:r>
+            <a:endParaRPr lang="en-US" sz="1600" dirty="0"/>
           </a:p>
         </p:txBody>
       </p:sp>
       <p:pic>
         <p:nvPicPr>
-          <p:cNvPr id="9" name="그림 8"/>
+          <p:cNvPr id="19" name="그림 18"/>
           <p:cNvPicPr>
             <a:picLocks noChangeAspect="1"/>
           </p:cNvPicPr>
@@ -15411,8 +15570,8 @@
         </p:blipFill>
         <p:spPr>
           <a:xfrm>
-            <a:off x="137293" y="1512235"/>
-            <a:ext cx="9273407" cy="3760506"/>
+            <a:off x="6207898" y="4373113"/>
+            <a:ext cx="3202802" cy="1975247"/>
           </a:xfrm>
           <a:prstGeom prst="rect">
             <a:avLst/>
@@ -15421,7 +15580,7 @@
       </p:pic>
       <p:pic>
         <p:nvPicPr>
-          <p:cNvPr id="11" name="그림 10"/>
+          <p:cNvPr id="20" name="그림 19"/>
           <p:cNvPicPr>
             <a:picLocks noChangeAspect="1"/>
           </p:cNvPicPr>
@@ -15435,8 +15594,8 @@
         </p:blipFill>
         <p:spPr>
           <a:xfrm>
-            <a:off x="728182" y="5399545"/>
-            <a:ext cx="1314633" cy="400106"/>
+            <a:off x="5190324" y="1524000"/>
+            <a:ext cx="4452358" cy="2244638"/>
           </a:xfrm>
           <a:prstGeom prst="rect">
             <a:avLst/>
@@ -15445,7 +15604,7 @@
       </p:pic>
       <p:pic>
         <p:nvPicPr>
-          <p:cNvPr id="12" name="그림 11"/>
+          <p:cNvPr id="21" name="그림 20"/>
           <p:cNvPicPr>
             <a:picLocks noChangeAspect="1"/>
           </p:cNvPicPr>
@@ -15459,72 +15618,24 @@
         </p:blipFill>
         <p:spPr>
           <a:xfrm>
-            <a:off x="2486949" y="5399545"/>
-            <a:ext cx="1238423" cy="381053"/>
+            <a:off x="329046" y="5481593"/>
+            <a:ext cx="5163271" cy="323895"/>
           </a:xfrm>
           <a:prstGeom prst="rect">
             <a:avLst/>
           </a:prstGeom>
         </p:spPr>
       </p:pic>
-      <p:pic>
-        <p:nvPicPr>
-          <p:cNvPr id="13" name="그림 12"/>
-          <p:cNvPicPr>
-            <a:picLocks noChangeAspect="1"/>
-          </p:cNvPicPr>
-          <p:nvPr/>
-        </p:nvPicPr>
-        <p:blipFill>
-          <a:blip r:embed="rId5"/>
-          <a:stretch>
-            <a:fillRect/>
-          </a:stretch>
-        </p:blipFill>
-        <p:spPr>
-          <a:xfrm>
-            <a:off x="4169506" y="5416982"/>
-            <a:ext cx="1267002" cy="409632"/>
-          </a:xfrm>
-          <a:prstGeom prst="rect">
-            <a:avLst/>
-          </a:prstGeom>
-        </p:spPr>
-      </p:pic>
-      <p:pic>
-        <p:nvPicPr>
-          <p:cNvPr id="14" name="그림 13"/>
-          <p:cNvPicPr>
-            <a:picLocks noChangeAspect="1"/>
-          </p:cNvPicPr>
-          <p:nvPr/>
-        </p:nvPicPr>
-        <p:blipFill>
-          <a:blip r:embed="rId6"/>
-          <a:stretch>
-            <a:fillRect/>
-          </a:stretch>
-        </p:blipFill>
-        <p:spPr>
-          <a:xfrm>
-            <a:off x="5852063" y="5416982"/>
-            <a:ext cx="1267002" cy="438211"/>
-          </a:xfrm>
-          <a:prstGeom prst="rect">
-            <a:avLst/>
-          </a:prstGeom>
-        </p:spPr>
-      </p:pic>
-      <p:sp>
-        <p:nvSpPr>
-          <p:cNvPr id="3" name="TextBox 2"/>
+      <p:sp>
+        <p:nvSpPr>
+          <p:cNvPr id="22" name="TextBox 21"/>
           <p:cNvSpPr txBox="1"/>
           <p:nvPr/>
         </p:nvSpPr>
         <p:spPr>
           <a:xfrm>
-            <a:off x="495300" y="5956789"/>
-            <a:ext cx="8306955" cy="382412"/>
+            <a:off x="280014" y="5805488"/>
+            <a:ext cx="5032147" cy="672492"/>
           </a:xfrm>
           <a:prstGeom prst="rect">
             <a:avLst/>
@@ -15532,29 +15643,28 @@
           <a:noFill/>
         </p:spPr>
         <p:txBody>
-          <a:bodyPr wrap="square" rtlCol="0">
+          <a:bodyPr wrap="none" rtlCol="0">
             <a:spAutoFit/>
           </a:bodyPr>
           <a:lstStyle/>
           <a:p>
             <a:r>
               <a:rPr lang="en-US" dirty="0"/>
-              <a:t>RMSD (MeV/nucleon): 1.2 </a:t>
-            </a:r>
-            <a:r>
-              <a:rPr lang="en-US" dirty="0">
-                <a:sym typeface="Wingdings" panose="05000000000000000000" pitchFamily="2" charset="2"/>
-              </a:rPr>
-              <a:t> 0.3 0.109  0.079 </a:t>
-            </a:r>
-            <a:endParaRPr lang="en-US" dirty="0"/>
+              <a:t>Significantly high w/o additional 3-body terms</a:t>
+            </a:r>
+          </a:p>
+          <a:p>
+            <a:r>
+              <a:rPr lang="en-US" dirty="0"/>
+              <a:t>: alpha-alpha should be more attractive.</a:t>
+            </a:r>
           </a:p>
         </p:txBody>
       </p:sp>
     </p:spTree>
     <p:extLst>
       <p:ext uri="{BB962C8B-B14F-4D97-AF65-F5344CB8AC3E}">
-        <p14:creationId xmlns:p14="http://schemas.microsoft.com/office/powerpoint/2010/main" val="341917645"/>
+        <p14:creationId xmlns:p14="http://schemas.microsoft.com/office/powerpoint/2010/main" val="1793680295"/>
       </p:ext>
     </p:extLst>
   </p:cSld>
@@ -15597,16 +15707,15 @@
           <a:lstStyle/>
           <a:p>
             <a:r>
-              <a:rPr lang="en-US" altLang="ko-KR" dirty="0"/>
-              <a:t>BE/A from WFM</a:t>
-            </a:r>
-            <a:endParaRPr lang="ko-KR" altLang="en-US" dirty="0"/>
+              <a:rPr lang="en-US" dirty="0"/>
+              <a:t>Determine 3-body force parameters</a:t>
+            </a:r>
           </a:p>
         </p:txBody>
       </p:sp>
       <p:pic>
         <p:nvPicPr>
-          <p:cNvPr id="4" name="그림 3"/>
+          <p:cNvPr id="9" name="그림 8"/>
           <p:cNvPicPr>
             <a:picLocks noChangeAspect="1"/>
           </p:cNvPicPr>
@@ -15620,14 +15729,110 @@
         </p:blipFill>
         <p:spPr>
           <a:xfrm>
-            <a:off x="276474" y="1450109"/>
-            <a:ext cx="9353051" cy="4272829"/>
+            <a:off x="137293" y="1512235"/>
+            <a:ext cx="9273407" cy="3760506"/>
           </a:xfrm>
           <a:prstGeom prst="rect">
             <a:avLst/>
           </a:prstGeom>
         </p:spPr>
       </p:pic>
+      <p:pic>
+        <p:nvPicPr>
+          <p:cNvPr id="11" name="그림 10"/>
+          <p:cNvPicPr>
+            <a:picLocks noChangeAspect="1"/>
+          </p:cNvPicPr>
+          <p:nvPr/>
+        </p:nvPicPr>
+        <p:blipFill>
+          <a:blip r:embed="rId3"/>
+          <a:stretch>
+            <a:fillRect/>
+          </a:stretch>
+        </p:blipFill>
+        <p:spPr>
+          <a:xfrm>
+            <a:off x="728182" y="5399545"/>
+            <a:ext cx="1314633" cy="400106"/>
+          </a:xfrm>
+          <a:prstGeom prst="rect">
+            <a:avLst/>
+          </a:prstGeom>
+        </p:spPr>
+      </p:pic>
+      <p:pic>
+        <p:nvPicPr>
+          <p:cNvPr id="12" name="그림 11"/>
+          <p:cNvPicPr>
+            <a:picLocks noChangeAspect="1"/>
+          </p:cNvPicPr>
+          <p:nvPr/>
+        </p:nvPicPr>
+        <p:blipFill>
+          <a:blip r:embed="rId4"/>
+          <a:stretch>
+            <a:fillRect/>
+          </a:stretch>
+        </p:blipFill>
+        <p:spPr>
+          <a:xfrm>
+            <a:off x="2486949" y="5399545"/>
+            <a:ext cx="1238423" cy="381053"/>
+          </a:xfrm>
+          <a:prstGeom prst="rect">
+            <a:avLst/>
+          </a:prstGeom>
+        </p:spPr>
+      </p:pic>
+      <p:pic>
+        <p:nvPicPr>
+          <p:cNvPr id="13" name="그림 12"/>
+          <p:cNvPicPr>
+            <a:picLocks noChangeAspect="1"/>
+          </p:cNvPicPr>
+          <p:nvPr/>
+        </p:nvPicPr>
+        <p:blipFill>
+          <a:blip r:embed="rId5"/>
+          <a:stretch>
+            <a:fillRect/>
+          </a:stretch>
+        </p:blipFill>
+        <p:spPr>
+          <a:xfrm>
+            <a:off x="4169506" y="5416982"/>
+            <a:ext cx="1267002" cy="409632"/>
+          </a:xfrm>
+          <a:prstGeom prst="rect">
+            <a:avLst/>
+          </a:prstGeom>
+        </p:spPr>
+      </p:pic>
+      <p:pic>
+        <p:nvPicPr>
+          <p:cNvPr id="14" name="그림 13"/>
+          <p:cNvPicPr>
+            <a:picLocks noChangeAspect="1"/>
+          </p:cNvPicPr>
+          <p:nvPr/>
+        </p:nvPicPr>
+        <p:blipFill>
+          <a:blip r:embed="rId6"/>
+          <a:stretch>
+            <a:fillRect/>
+          </a:stretch>
+        </p:blipFill>
+        <p:spPr>
+          <a:xfrm>
+            <a:off x="5852063" y="5416982"/>
+            <a:ext cx="1267002" cy="438211"/>
+          </a:xfrm>
+          <a:prstGeom prst="rect">
+            <a:avLst/>
+          </a:prstGeom>
+        </p:spPr>
+      </p:pic>
       <p:sp>
         <p:nvSpPr>
           <p:cNvPr id="3" name="TextBox 2"/>
@@ -15636,8 +15841,8 @@
         </p:nvSpPr>
         <p:spPr>
           <a:xfrm>
-            <a:off x="1542473" y="5874327"/>
-            <a:ext cx="3796145" cy="387928"/>
+            <a:off x="495300" y="5956789"/>
+            <a:ext cx="8306955" cy="382412"/>
           </a:xfrm>
           <a:prstGeom prst="rect">
             <a:avLst/>
@@ -15652,15 +15857,22 @@
           <a:p>
             <a:r>
               <a:rPr lang="en-US" dirty="0"/>
-              <a:t>RMSD ~ 0.1 MeV per nucleon</a:t>
-            </a:r>
+              <a:t>RMSD (MeV/nucleon): 1.2 </a:t>
+            </a:r>
+            <a:r>
+              <a:rPr lang="en-US" dirty="0">
+                <a:sym typeface="Wingdings" panose="05000000000000000000" pitchFamily="2" charset="2"/>
+              </a:rPr>
+              <a:t> 0.3 0.109  0.079 </a:t>
+            </a:r>
+            <a:endParaRPr lang="en-US" dirty="0"/>
           </a:p>
         </p:txBody>
       </p:sp>
     </p:spTree>
     <p:extLst>
       <p:ext uri="{BB962C8B-B14F-4D97-AF65-F5344CB8AC3E}">
-        <p14:creationId xmlns:p14="http://schemas.microsoft.com/office/powerpoint/2010/main" val="1082437805"/>
+        <p14:creationId xmlns:p14="http://schemas.microsoft.com/office/powerpoint/2010/main" val="341917645"/>
       </p:ext>
     </p:extLst>
   </p:cSld>
@@ -15704,7 +15916,7 @@
           <a:p>
             <a:r>
               <a:rPr lang="en-US" altLang="ko-KR" dirty="0"/>
-              <a:t>Charge Radius</a:t>
+              <a:t>BE/A from WFM</a:t>
             </a:r>
             <a:endParaRPr lang="ko-KR" altLang="en-US" dirty="0"/>
           </a:p>
@@ -15712,7 +15924,7 @@
       </p:sp>
       <p:pic>
         <p:nvPicPr>
-          <p:cNvPr id="5" name="그림 4"/>
+          <p:cNvPr id="4" name="그림 3"/>
           <p:cNvPicPr>
             <a:picLocks noChangeAspect="1"/>
           </p:cNvPicPr>
@@ -15726,8 +15938,8 @@
         </p:blipFill>
         <p:spPr>
           <a:xfrm>
-            <a:off x="495300" y="1592263"/>
-            <a:ext cx="9029214" cy="4605458"/>
+            <a:off x="276474" y="1450109"/>
+            <a:ext cx="9353051" cy="4272829"/>
           </a:xfrm>
           <a:prstGeom prst="rect">
             <a:avLst/>
@@ -15742,8 +15954,8 @@
         </p:nvSpPr>
         <p:spPr>
           <a:xfrm>
-            <a:off x="1245177" y="6178726"/>
-            <a:ext cx="3546764" cy="382412"/>
+            <a:off x="1542473" y="5874327"/>
+            <a:ext cx="3796145" cy="387928"/>
           </a:xfrm>
           <a:prstGeom prst="rect">
             <a:avLst/>
@@ -15757,33 +15969,16 @@
           <a:lstStyle/>
           <a:p>
             <a:r>
-              <a:rPr lang="en-US" dirty="0">
-                <a:solidFill>
-                  <a:srgbClr val="FF0000"/>
-                </a:solidFill>
-              </a:rPr>
-              <a:t>No fitting!  RMSD~ 0.03 </a:t>
-            </a:r>
-            <a:r>
-              <a:rPr lang="en-US" dirty="0" err="1">
-                <a:solidFill>
-                  <a:srgbClr val="FF0000"/>
-                </a:solidFill>
-              </a:rPr>
-              <a:t>fm</a:t>
-            </a:r>
-            <a:endParaRPr lang="en-US" dirty="0">
-              <a:solidFill>
-                <a:srgbClr val="FF0000"/>
-              </a:solidFill>
-            </a:endParaRPr>
+              <a:rPr lang="en-US" dirty="0"/>
+              <a:t>RMSD ~ 0.1 MeV per nucleon</a:t>
+            </a:r>
           </a:p>
         </p:txBody>
       </p:sp>
     </p:spTree>
     <p:extLst>
       <p:ext uri="{BB962C8B-B14F-4D97-AF65-F5344CB8AC3E}">
-        <p14:creationId xmlns:p14="http://schemas.microsoft.com/office/powerpoint/2010/main" val="4111254820"/>
+        <p14:creationId xmlns:p14="http://schemas.microsoft.com/office/powerpoint/2010/main" val="1082437805"/>
       </p:ext>
     </p:extLst>
   </p:cSld>
@@ -15826,79 +16021,15 @@
           <a:lstStyle/>
           <a:p>
             <a:r>
-              <a:rPr lang="en-US" altLang="ko-KR" dirty="0"/>
-              <a:t>Nuclear/Neutron Matter</a:t>
-            </a:r>
-            <a:endParaRPr lang="ko-KR" altLang="en-US" dirty="0"/>
-          </a:p>
-        </p:txBody>
-      </p:sp>
-      <p:sp>
-        <p:nvSpPr>
-          <p:cNvPr id="4" name="TextBox 3"/>
-          <p:cNvSpPr txBox="1"/>
-          <p:nvPr/>
-        </p:nvSpPr>
-        <p:spPr>
-          <a:xfrm>
-            <a:off x="6354618" y="1948873"/>
-            <a:ext cx="2846532" cy="2122889"/>
-          </a:xfrm>
-          <a:prstGeom prst="rect">
-            <a:avLst/>
-          </a:prstGeom>
-          <a:noFill/>
-        </p:spPr>
-        <p:txBody>
-          <a:bodyPr wrap="square" rtlCol="0">
-            <a:spAutoFit/>
-          </a:bodyPr>
-          <a:lstStyle/>
-          <a:p>
-            <a:r>
-              <a:rPr lang="en-US" altLang="ko-KR" dirty="0"/>
-              <a:t>Neutron matter: </a:t>
-            </a:r>
-          </a:p>
-          <a:p>
-            <a:r>
-              <a:rPr lang="en-US" altLang="ko-KR" dirty="0"/>
-              <a:t>A=4~80</a:t>
-            </a:r>
-          </a:p>
-          <a:p>
-            <a:r>
-              <a:rPr lang="en-US" altLang="ko-KR" dirty="0"/>
-              <a:t>box size 6.6 ~ 13.2  fm. </a:t>
-            </a:r>
-          </a:p>
-          <a:p>
-            <a:endParaRPr lang="en-US" altLang="ko-KR" dirty="0"/>
-          </a:p>
-          <a:p>
-            <a:r>
-              <a:rPr lang="en-US" altLang="ko-KR" dirty="0"/>
-              <a:t>Nuclear matter:</a:t>
-            </a:r>
-          </a:p>
-          <a:p>
-            <a:r>
-              <a:rPr lang="en-US" altLang="ko-KR" dirty="0"/>
-              <a:t>A=4 ~ 160</a:t>
-            </a:r>
-          </a:p>
-          <a:p>
-            <a:r>
-              <a:rPr lang="en-US" altLang="ko-KR" dirty="0"/>
-              <a:t>Box size 7.92~9.24 fm. </a:t>
-            </a:r>
-            <a:endParaRPr lang="ko-KR" altLang="en-US" dirty="0"/>
+              <a:rPr lang="en-US" dirty="0"/>
+              <a:t>Pinhole Algorithm</a:t>
+            </a:r>
           </a:p>
         </p:txBody>
       </p:sp>
       <p:pic>
         <p:nvPicPr>
-          <p:cNvPr id="6" name="그림 5"/>
+          <p:cNvPr id="4" name="그림 3"/>
           <p:cNvPicPr>
             <a:picLocks noChangeAspect="1"/>
           </p:cNvPicPr>
@@ -15912,57 +16043,42 @@
         </p:blipFill>
         <p:spPr>
           <a:xfrm>
-            <a:off x="170932" y="1592263"/>
-            <a:ext cx="5923672" cy="4875638"/>
+            <a:off x="668338" y="1758517"/>
+            <a:ext cx="4689337" cy="3339956"/>
           </a:xfrm>
           <a:prstGeom prst="rect">
             <a:avLst/>
           </a:prstGeom>
         </p:spPr>
       </p:pic>
-      <p:sp>
-        <p:nvSpPr>
-          <p:cNvPr id="3" name="TextBox 2"/>
-          <p:cNvSpPr txBox="1"/>
+      <p:pic>
+        <p:nvPicPr>
+          <p:cNvPr id="5" name="그림 4"/>
+          <p:cNvPicPr>
+            <a:picLocks noChangeAspect="1"/>
+          </p:cNvPicPr>
           <p:nvPr/>
-        </p:nvSpPr>
-        <p:spPr>
-          <a:xfrm>
-            <a:off x="6213475" y="5221608"/>
-            <a:ext cx="3285258" cy="672492"/>
+        </p:nvPicPr>
+        <p:blipFill>
+          <a:blip r:embed="rId3"/>
+          <a:stretch>
+            <a:fillRect/>
+          </a:stretch>
+        </p:blipFill>
+        <p:spPr>
+          <a:xfrm>
+            <a:off x="5529263" y="1612451"/>
+            <a:ext cx="4291052" cy="3632088"/>
           </a:xfrm>
           <a:prstGeom prst="rect">
             <a:avLst/>
           </a:prstGeom>
-          <a:noFill/>
-        </p:spPr>
-        <p:txBody>
-          <a:bodyPr wrap="square" rtlCol="0">
-            <a:spAutoFit/>
-          </a:bodyPr>
-          <a:lstStyle/>
-          <a:p>
-            <a:pPr marL="342900" indent="-342900">
-              <a:buFont typeface="Arial" panose="020B0604020202020204" pitchFamily="34" charset="0"/>
-              <a:buChar char="•"/>
-            </a:pPr>
-            <a:r>
-              <a:rPr lang="en-US" dirty="0"/>
-              <a:t>Uncertainties from</a:t>
-            </a:r>
-          </a:p>
-          <a:p>
-            <a:r>
-              <a:rPr lang="en-US" dirty="0"/>
-              <a:t>finite system size correction </a:t>
-            </a:r>
-          </a:p>
-        </p:txBody>
-      </p:sp>
+        </p:spPr>
+      </p:pic>
     </p:spTree>
     <p:extLst>
       <p:ext uri="{BB962C8B-B14F-4D97-AF65-F5344CB8AC3E}">
-        <p14:creationId xmlns:p14="http://schemas.microsoft.com/office/powerpoint/2010/main" val="994957564"/>
+        <p14:creationId xmlns:p14="http://schemas.microsoft.com/office/powerpoint/2010/main" val="1813975166"/>
       </p:ext>
     </p:extLst>
   </p:cSld>
@@ -16001,13 +16117,24 @@
         </p:nvSpPr>
         <p:spPr/>
         <p:txBody>
-          <a:bodyPr/>
-          <a:lstStyle/>
-          <a:p>
-            <a:r>
-              <a:rPr lang="en-US" dirty="0"/>
-              <a:t>Carbon and Oxygen</a:t>
-            </a:r>
+          <a:bodyPr>
+            <a:normAutofit fontScale="90000"/>
+          </a:bodyPr>
+          <a:lstStyle/>
+          <a:p>
+            <a:r>
+              <a:rPr lang="en-US" altLang="ko-KR" dirty="0"/>
+              <a:t>Charge density from WFM (Pinhole</a:t>
+            </a:r>
+            <a:r>
+              <a:rPr lang="ko-KR" altLang="en-US" dirty="0"/>
+              <a:t> </a:t>
+            </a:r>
+            <a:r>
+              <a:rPr lang="en-US" altLang="ko-KR" dirty="0"/>
+              <a:t>algorithm)</a:t>
+            </a:r>
+            <a:endParaRPr lang="ko-KR" altLang="en-US" dirty="0"/>
           </a:p>
         </p:txBody>
       </p:sp>
@@ -16027,60 +16154,66 @@
         </p:blipFill>
         <p:spPr>
           <a:xfrm>
-            <a:off x="796143" y="1915296"/>
-            <a:ext cx="8313714" cy="4345463"/>
+            <a:off x="836134" y="1803336"/>
+            <a:ext cx="6044958" cy="2287804"/>
           </a:xfrm>
           <a:prstGeom prst="rect">
             <a:avLst/>
           </a:prstGeom>
         </p:spPr>
       </p:pic>
-      <p:sp>
-        <p:nvSpPr>
-          <p:cNvPr id="4" name="직사각형 3"/>
-          <p:cNvSpPr/>
+      <p:pic>
+        <p:nvPicPr>
+          <p:cNvPr id="4" name="그림 3"/>
+          <p:cNvPicPr>
+            <a:picLocks noChangeAspect="1"/>
+          </p:cNvPicPr>
           <p:nvPr/>
-        </p:nvSpPr>
-        <p:spPr>
-          <a:xfrm>
-            <a:off x="7136303" y="5986244"/>
-            <a:ext cx="2654243" cy="646331"/>
+        </p:nvPicPr>
+        <p:blipFill>
+          <a:blip r:embed="rId3"/>
+          <a:stretch>
+            <a:fillRect/>
+          </a:stretch>
+        </p:blipFill>
+        <p:spPr>
+          <a:xfrm>
+            <a:off x="893654" y="4273478"/>
+            <a:ext cx="5987438" cy="2121227"/>
           </a:xfrm>
           <a:prstGeom prst="rect">
             <a:avLst/>
           </a:prstGeom>
-          <a:noFill/>
-        </p:spPr>
-        <p:txBody>
-          <a:bodyPr wrap="square" lIns="91440" tIns="45720" rIns="91440" bIns="45720">
-            <a:spAutoFit/>
-          </a:bodyPr>
-          <a:lstStyle/>
-          <a:p>
-            <a:pPr algn="ctr"/>
-            <a:r>
-              <a:rPr lang="en-US" altLang="ko-KR" sz="3600" b="0" cap="none" spc="0" dirty="0">
-                <a:ln w="0"/>
-                <a:solidFill>
-                  <a:srgbClr val="FF0000"/>
-                </a:solidFill>
-                <a:effectLst>
-                  <a:outerShdw blurRad="38100" dist="19050" dir="2700000" algn="tl" rotWithShape="0">
-                    <a:schemeClr val="dk1">
-                      <a:alpha val="40000"/>
-                    </a:schemeClr>
-                  </a:outerShdw>
-                </a:effectLst>
-              </a:rPr>
-              <a:t>Preliminary</a:t>
-            </a:r>
-          </a:p>
-        </p:txBody>
-      </p:sp>
+        </p:spPr>
+      </p:pic>
+      <p:pic>
+        <p:nvPicPr>
+          <p:cNvPr id="6" name="그림 5"/>
+          <p:cNvPicPr>
+            <a:picLocks noChangeAspect="1"/>
+          </p:cNvPicPr>
+          <p:nvPr/>
+        </p:nvPicPr>
+        <p:blipFill>
+          <a:blip r:embed="rId4"/>
+          <a:stretch>
+            <a:fillRect/>
+          </a:stretch>
+        </p:blipFill>
+        <p:spPr>
+          <a:xfrm>
+            <a:off x="6948591" y="3123955"/>
+            <a:ext cx="2957409" cy="1934369"/>
+          </a:xfrm>
+          <a:prstGeom prst="rect">
+            <a:avLst/>
+          </a:prstGeom>
+        </p:spPr>
+      </p:pic>
     </p:spTree>
     <p:extLst>
       <p:ext uri="{BB962C8B-B14F-4D97-AF65-F5344CB8AC3E}">
-        <p14:creationId xmlns:p14="http://schemas.microsoft.com/office/powerpoint/2010/main" val="2939805230"/>
+        <p14:creationId xmlns:p14="http://schemas.microsoft.com/office/powerpoint/2010/main" val="3606104472"/>
       </p:ext>
     </p:extLst>
   </p:cSld>
@@ -16123,51 +16256,10 @@
           <a:lstStyle/>
           <a:p>
             <a:r>
-              <a:rPr lang="en-US" dirty="0"/>
-              <a:t>Carbon and Oxygen</a:t>
-            </a:r>
-          </a:p>
-        </p:txBody>
-      </p:sp>
-      <p:sp>
-        <p:nvSpPr>
-          <p:cNvPr id="4" name="직사각형 3"/>
-          <p:cNvSpPr/>
-          <p:nvPr/>
-        </p:nvSpPr>
-        <p:spPr>
-          <a:xfrm>
-            <a:off x="7103052" y="6165850"/>
-            <a:ext cx="2654243" cy="646331"/>
-          </a:xfrm>
-          <a:prstGeom prst="rect">
-            <a:avLst/>
-          </a:prstGeom>
-          <a:noFill/>
-        </p:spPr>
-        <p:txBody>
-          <a:bodyPr wrap="square" lIns="91440" tIns="45720" rIns="91440" bIns="45720">
-            <a:spAutoFit/>
-          </a:bodyPr>
-          <a:lstStyle/>
-          <a:p>
-            <a:pPr algn="ctr"/>
-            <a:r>
-              <a:rPr lang="en-US" altLang="ko-KR" sz="3600" b="0" cap="none" spc="0" dirty="0">
-                <a:ln w="0"/>
-                <a:solidFill>
-                  <a:srgbClr val="FF0000"/>
-                </a:solidFill>
-                <a:effectLst>
-                  <a:outerShdw blurRad="38100" dist="19050" dir="2700000" algn="tl" rotWithShape="0">
-                    <a:schemeClr val="dk1">
-                      <a:alpha val="40000"/>
-                    </a:schemeClr>
-                  </a:outerShdw>
-                </a:effectLst>
-              </a:rPr>
-              <a:t>Preliminary</a:t>
-            </a:r>
+              <a:rPr lang="en-US" altLang="ko-KR" dirty="0"/>
+              <a:t>Charge Radius</a:t>
+            </a:r>
+            <a:endParaRPr lang="ko-KR" altLang="en-US" dirty="0"/>
           </a:p>
         </p:txBody>
       </p:sp>
@@ -16187,18 +16279,64 @@
         </p:blipFill>
         <p:spPr>
           <a:xfrm>
-            <a:off x="1302511" y="1427143"/>
-            <a:ext cx="7434165" cy="4909461"/>
+            <a:off x="495300" y="1592263"/>
+            <a:ext cx="9029214" cy="4605458"/>
           </a:xfrm>
           <a:prstGeom prst="rect">
             <a:avLst/>
           </a:prstGeom>
         </p:spPr>
       </p:pic>
+      <p:sp>
+        <p:nvSpPr>
+          <p:cNvPr id="3" name="TextBox 2"/>
+          <p:cNvSpPr txBox="1"/>
+          <p:nvPr/>
+        </p:nvSpPr>
+        <p:spPr>
+          <a:xfrm>
+            <a:off x="1245177" y="6178726"/>
+            <a:ext cx="3546764" cy="382412"/>
+          </a:xfrm>
+          <a:prstGeom prst="rect">
+            <a:avLst/>
+          </a:prstGeom>
+          <a:noFill/>
+        </p:spPr>
+        <p:txBody>
+          <a:bodyPr wrap="square" rtlCol="0">
+            <a:spAutoFit/>
+          </a:bodyPr>
+          <a:lstStyle/>
+          <a:p>
+            <a:r>
+              <a:rPr lang="en-US" dirty="0">
+                <a:solidFill>
+                  <a:srgbClr val="FF0000"/>
+                </a:solidFill>
+              </a:rPr>
+              <a:t>No fitting!  RMSD~ 0.03 </a:t>
+            </a:r>
+            <a:r>
+              <a:rPr lang="en-US" dirty="0" err="1">
+                <a:solidFill>
+                  <a:srgbClr val="FF0000"/>
+                </a:solidFill>
+              </a:rPr>
+              <a:t>fm</a:t>
+            </a:r>
+            <a:endParaRPr lang="en-US" dirty="0">
+              <a:solidFill>
+                <a:srgbClr val="FF0000"/>
+              </a:solidFill>
+            </a:endParaRPr>
+          </a:p>
+        </p:txBody>
+      </p:sp>
     </p:spTree>
     <p:extLst>
       <p:ext uri="{BB962C8B-B14F-4D97-AF65-F5344CB8AC3E}">
-        <p14:creationId xmlns:p14="http://schemas.microsoft.com/office/powerpoint/2010/main" val="2183086032"/>
+        <p14:creationId xmlns:p14="http://schemas.microsoft.com/office/powerpoint/2010/main" val="4111254820"/>
       </p:ext>
     </p:extLst>
   </p:cSld>
@@ -16241,10 +16379,586 @@
           <a:lstStyle/>
           <a:p>
             <a:r>
-              <a:rPr lang="en-US" dirty="0" smtClean="0"/>
+              <a:rPr lang="en-US" altLang="ko-KR" dirty="0"/>
+              <a:t>Nuclear/Neutron Matter</a:t>
+            </a:r>
+            <a:endParaRPr lang="ko-KR" altLang="en-US" dirty="0"/>
+          </a:p>
+        </p:txBody>
+      </p:sp>
+      <p:sp>
+        <p:nvSpPr>
+          <p:cNvPr id="4" name="TextBox 3"/>
+          <p:cNvSpPr txBox="1"/>
+          <p:nvPr/>
+        </p:nvSpPr>
+        <p:spPr>
+          <a:xfrm>
+            <a:off x="6354618" y="1948873"/>
+            <a:ext cx="2846532" cy="2122889"/>
+          </a:xfrm>
+          <a:prstGeom prst="rect">
+            <a:avLst/>
+          </a:prstGeom>
+          <a:noFill/>
+        </p:spPr>
+        <p:txBody>
+          <a:bodyPr wrap="square" rtlCol="0">
+            <a:spAutoFit/>
+          </a:bodyPr>
+          <a:lstStyle/>
+          <a:p>
+            <a:r>
+              <a:rPr lang="en-US" altLang="ko-KR" dirty="0"/>
+              <a:t>Neutron matter: </a:t>
+            </a:r>
+          </a:p>
+          <a:p>
+            <a:r>
+              <a:rPr lang="en-US" altLang="ko-KR" dirty="0"/>
+              <a:t>A=4~80</a:t>
+            </a:r>
+          </a:p>
+          <a:p>
+            <a:r>
+              <a:rPr lang="en-US" altLang="ko-KR" dirty="0"/>
+              <a:t>box size 6.6 ~ 13.2  fm. </a:t>
+            </a:r>
+          </a:p>
+          <a:p>
+            <a:endParaRPr lang="en-US" altLang="ko-KR" dirty="0"/>
+          </a:p>
+          <a:p>
+            <a:r>
+              <a:rPr lang="en-US" altLang="ko-KR" dirty="0"/>
+              <a:t>Nuclear matter:</a:t>
+            </a:r>
+          </a:p>
+          <a:p>
+            <a:r>
+              <a:rPr lang="en-US" altLang="ko-KR" dirty="0"/>
+              <a:t>A=4 ~ 160</a:t>
+            </a:r>
+          </a:p>
+          <a:p>
+            <a:r>
+              <a:rPr lang="en-US" altLang="ko-KR" dirty="0"/>
+              <a:t>Box size 7.92~9.24 fm. </a:t>
+            </a:r>
+            <a:endParaRPr lang="ko-KR" altLang="en-US" dirty="0"/>
+          </a:p>
+        </p:txBody>
+      </p:sp>
+      <p:pic>
+        <p:nvPicPr>
+          <p:cNvPr id="6" name="그림 5"/>
+          <p:cNvPicPr>
+            <a:picLocks noChangeAspect="1"/>
+          </p:cNvPicPr>
+          <p:nvPr/>
+        </p:nvPicPr>
+        <p:blipFill>
+          <a:blip r:embed="rId2"/>
+          <a:stretch>
+            <a:fillRect/>
+          </a:stretch>
+        </p:blipFill>
+        <p:spPr>
+          <a:xfrm>
+            <a:off x="170932" y="1592263"/>
+            <a:ext cx="5923672" cy="4875638"/>
+          </a:xfrm>
+          <a:prstGeom prst="rect">
+            <a:avLst/>
+          </a:prstGeom>
+        </p:spPr>
+      </p:pic>
+      <p:sp>
+        <p:nvSpPr>
+          <p:cNvPr id="3" name="TextBox 2"/>
+          <p:cNvSpPr txBox="1"/>
+          <p:nvPr/>
+        </p:nvSpPr>
+        <p:spPr>
+          <a:xfrm>
+            <a:off x="6213475" y="5221608"/>
+            <a:ext cx="3285258" cy="672492"/>
+          </a:xfrm>
+          <a:prstGeom prst="rect">
+            <a:avLst/>
+          </a:prstGeom>
+          <a:noFill/>
+        </p:spPr>
+        <p:txBody>
+          <a:bodyPr wrap="square" rtlCol="0">
+            <a:spAutoFit/>
+          </a:bodyPr>
+          <a:lstStyle/>
+          <a:p>
+            <a:pPr marL="342900" indent="-342900">
+              <a:buFont typeface="Arial" panose="020B0604020202020204" pitchFamily="34" charset="0"/>
+              <a:buChar char="•"/>
+            </a:pPr>
+            <a:r>
+              <a:rPr lang="en-US" dirty="0"/>
+              <a:t>Uncertainties from</a:t>
+            </a:r>
+          </a:p>
+          <a:p>
+            <a:r>
+              <a:rPr lang="en-US" dirty="0"/>
+              <a:t>finite system size correction </a:t>
+            </a:r>
+          </a:p>
+        </p:txBody>
+      </p:sp>
+    </p:spTree>
+    <p:extLst>
+      <p:ext uri="{BB962C8B-B14F-4D97-AF65-F5344CB8AC3E}">
+        <p14:creationId xmlns:p14="http://schemas.microsoft.com/office/powerpoint/2010/main" val="994957564"/>
+      </p:ext>
+    </p:extLst>
+  </p:cSld>
+  <p:clrMapOvr>
+    <a:masterClrMapping/>
+  </p:clrMapOvr>
+</p:sld>
+</file>
+
+<file path=ppt/slides/slide38.xml><?xml version="1.0" encoding="utf-8"?>
+<p:sld xmlns:a="http://schemas.openxmlformats.org/drawingml/2006/main" xmlns:r="http://schemas.openxmlformats.org/officeDocument/2006/relationships" xmlns:p="http://schemas.openxmlformats.org/presentationml/2006/main">
+  <p:cSld>
+    <p:spTree>
+      <p:nvGrpSpPr>
+        <p:cNvPr id="1" name=""/>
+        <p:cNvGrpSpPr/>
+        <p:nvPr/>
+      </p:nvGrpSpPr>
+      <p:grpSpPr>
+        <a:xfrm>
+          <a:off x="0" y="0"/>
+          <a:ext cx="0" cy="0"/>
+          <a:chOff x="0" y="0"/>
+          <a:chExt cx="0" cy="0"/>
+        </a:xfrm>
+      </p:grpSpPr>
+      <p:sp>
+        <p:nvSpPr>
+          <p:cNvPr id="2" name="제목 1"/>
+          <p:cNvSpPr>
+            <a:spLocks noGrp="1"/>
+          </p:cNvSpPr>
+          <p:nvPr>
+            <p:ph type="title"/>
+          </p:nvPr>
+        </p:nvSpPr>
+        <p:spPr/>
+        <p:txBody>
+          <a:bodyPr/>
+          <a:lstStyle/>
+          <a:p>
+            <a:r>
+              <a:rPr lang="en-US" dirty="0"/>
+              <a:t>Carbon and Oxygen</a:t>
+            </a:r>
+          </a:p>
+        </p:txBody>
+      </p:sp>
+      <p:pic>
+        <p:nvPicPr>
+          <p:cNvPr id="3" name="그림 2"/>
+          <p:cNvPicPr>
+            <a:picLocks noChangeAspect="1"/>
+          </p:cNvPicPr>
+          <p:nvPr/>
+        </p:nvPicPr>
+        <p:blipFill>
+          <a:blip r:embed="rId2"/>
+          <a:stretch>
+            <a:fillRect/>
+          </a:stretch>
+        </p:blipFill>
+        <p:spPr>
+          <a:xfrm>
+            <a:off x="796143" y="1915296"/>
+            <a:ext cx="8313714" cy="4345463"/>
+          </a:xfrm>
+          <a:prstGeom prst="rect">
+            <a:avLst/>
+          </a:prstGeom>
+        </p:spPr>
+      </p:pic>
+      <p:sp>
+        <p:nvSpPr>
+          <p:cNvPr id="4" name="직사각형 3"/>
+          <p:cNvSpPr/>
+          <p:nvPr/>
+        </p:nvSpPr>
+        <p:spPr>
+          <a:xfrm>
+            <a:off x="7136303" y="5986244"/>
+            <a:ext cx="2654243" cy="646331"/>
+          </a:xfrm>
+          <a:prstGeom prst="rect">
+            <a:avLst/>
+          </a:prstGeom>
+          <a:noFill/>
+        </p:spPr>
+        <p:txBody>
+          <a:bodyPr wrap="square" lIns="91440" tIns="45720" rIns="91440" bIns="45720">
+            <a:spAutoFit/>
+          </a:bodyPr>
+          <a:lstStyle/>
+          <a:p>
+            <a:pPr algn="ctr"/>
+            <a:r>
+              <a:rPr lang="en-US" altLang="ko-KR" sz="3600" b="0" cap="none" spc="0" dirty="0">
+                <a:ln w="0"/>
+                <a:solidFill>
+                  <a:srgbClr val="FF0000"/>
+                </a:solidFill>
+                <a:effectLst>
+                  <a:outerShdw blurRad="38100" dist="19050" dir="2700000" algn="tl" rotWithShape="0">
+                    <a:schemeClr val="dk1">
+                      <a:alpha val="40000"/>
+                    </a:schemeClr>
+                  </a:outerShdw>
+                </a:effectLst>
+              </a:rPr>
+              <a:t>Preliminary</a:t>
+            </a:r>
+          </a:p>
+        </p:txBody>
+      </p:sp>
+    </p:spTree>
+    <p:extLst>
+      <p:ext uri="{BB962C8B-B14F-4D97-AF65-F5344CB8AC3E}">
+        <p14:creationId xmlns:p14="http://schemas.microsoft.com/office/powerpoint/2010/main" val="2939805230"/>
+      </p:ext>
+    </p:extLst>
+  </p:cSld>
+  <p:clrMapOvr>
+    <a:masterClrMapping/>
+  </p:clrMapOvr>
+</p:sld>
+</file>
+
+<file path=ppt/slides/slide39.xml><?xml version="1.0" encoding="utf-8"?>
+<p:sld xmlns:a="http://schemas.openxmlformats.org/drawingml/2006/main" xmlns:r="http://schemas.openxmlformats.org/officeDocument/2006/relationships" xmlns:p="http://schemas.openxmlformats.org/presentationml/2006/main">
+  <p:cSld>
+    <p:spTree>
+      <p:nvGrpSpPr>
+        <p:cNvPr id="1" name=""/>
+        <p:cNvGrpSpPr/>
+        <p:nvPr/>
+      </p:nvGrpSpPr>
+      <p:grpSpPr>
+        <a:xfrm>
+          <a:off x="0" y="0"/>
+          <a:ext cx="0" cy="0"/>
+          <a:chOff x="0" y="0"/>
+          <a:chExt cx="0" cy="0"/>
+        </a:xfrm>
+      </p:grpSpPr>
+      <p:sp>
+        <p:nvSpPr>
+          <p:cNvPr id="2" name="제목 1"/>
+          <p:cNvSpPr>
+            <a:spLocks noGrp="1"/>
+          </p:cNvSpPr>
+          <p:nvPr>
+            <p:ph type="title"/>
+          </p:nvPr>
+        </p:nvSpPr>
+        <p:spPr/>
+        <p:txBody>
+          <a:bodyPr/>
+          <a:lstStyle/>
+          <a:p>
+            <a:r>
+              <a:rPr lang="en-US" dirty="0"/>
+              <a:t>Carbon and Oxygen</a:t>
+            </a:r>
+          </a:p>
+        </p:txBody>
+      </p:sp>
+      <p:sp>
+        <p:nvSpPr>
+          <p:cNvPr id="4" name="직사각형 3"/>
+          <p:cNvSpPr/>
+          <p:nvPr/>
+        </p:nvSpPr>
+        <p:spPr>
+          <a:xfrm>
+            <a:off x="7103052" y="6165850"/>
+            <a:ext cx="2654243" cy="646331"/>
+          </a:xfrm>
+          <a:prstGeom prst="rect">
+            <a:avLst/>
+          </a:prstGeom>
+          <a:noFill/>
+        </p:spPr>
+        <p:txBody>
+          <a:bodyPr wrap="square" lIns="91440" tIns="45720" rIns="91440" bIns="45720">
+            <a:spAutoFit/>
+          </a:bodyPr>
+          <a:lstStyle/>
+          <a:p>
+            <a:pPr algn="ctr"/>
+            <a:r>
+              <a:rPr lang="en-US" altLang="ko-KR" sz="3600" b="0" cap="none" spc="0" dirty="0">
+                <a:ln w="0"/>
+                <a:solidFill>
+                  <a:srgbClr val="FF0000"/>
+                </a:solidFill>
+                <a:effectLst>
+                  <a:outerShdw blurRad="38100" dist="19050" dir="2700000" algn="tl" rotWithShape="0">
+                    <a:schemeClr val="dk1">
+                      <a:alpha val="40000"/>
+                    </a:schemeClr>
+                  </a:outerShdw>
+                </a:effectLst>
+              </a:rPr>
+              <a:t>Preliminary</a:t>
+            </a:r>
+          </a:p>
+        </p:txBody>
+      </p:sp>
+      <p:pic>
+        <p:nvPicPr>
+          <p:cNvPr id="5" name="그림 4"/>
+          <p:cNvPicPr>
+            <a:picLocks noChangeAspect="1"/>
+          </p:cNvPicPr>
+          <p:nvPr/>
+        </p:nvPicPr>
+        <p:blipFill>
+          <a:blip r:embed="rId2"/>
+          <a:stretch>
+            <a:fillRect/>
+          </a:stretch>
+        </p:blipFill>
+        <p:spPr>
+          <a:xfrm>
+            <a:off x="1302511" y="1427143"/>
+            <a:ext cx="7434165" cy="4909461"/>
+          </a:xfrm>
+          <a:prstGeom prst="rect">
+            <a:avLst/>
+          </a:prstGeom>
+        </p:spPr>
+      </p:pic>
+    </p:spTree>
+    <p:extLst>
+      <p:ext uri="{BB962C8B-B14F-4D97-AF65-F5344CB8AC3E}">
+        <p14:creationId xmlns:p14="http://schemas.microsoft.com/office/powerpoint/2010/main" val="2183086032"/>
+      </p:ext>
+    </p:extLst>
+  </p:cSld>
+  <p:clrMapOvr>
+    <a:masterClrMapping/>
+  </p:clrMapOvr>
+</p:sld>
+</file>
+
+<file path=ppt/slides/slide4.xml><?xml version="1.0" encoding="utf-8"?>
+<p:sld xmlns:a="http://schemas.openxmlformats.org/drawingml/2006/main" xmlns:r="http://schemas.openxmlformats.org/officeDocument/2006/relationships" xmlns:p="http://schemas.openxmlformats.org/presentationml/2006/main">
+  <p:cSld>
+    <p:spTree>
+      <p:nvGrpSpPr>
+        <p:cNvPr id="1" name=""/>
+        <p:cNvGrpSpPr/>
+        <p:nvPr/>
+      </p:nvGrpSpPr>
+      <p:grpSpPr>
+        <a:xfrm>
+          <a:off x="0" y="0"/>
+          <a:ext cx="0" cy="0"/>
+          <a:chOff x="0" y="0"/>
+          <a:chExt cx="0" cy="0"/>
+        </a:xfrm>
+      </p:grpSpPr>
+      <p:sp>
+        <p:nvSpPr>
+          <p:cNvPr id="2" name="제목 1"/>
+          <p:cNvSpPr>
+            <a:spLocks noGrp="1"/>
+          </p:cNvSpPr>
+          <p:nvPr>
+            <p:ph type="title"/>
+          </p:nvPr>
+        </p:nvSpPr>
+        <p:spPr/>
+        <p:txBody>
+          <a:bodyPr/>
+          <a:lstStyle/>
+          <a:p>
+            <a:r>
+              <a:rPr lang="en-US" altLang="ko-KR" dirty="0"/>
+              <a:t>Ab initio Quantum many-body</a:t>
+            </a:r>
+            <a:endParaRPr lang="ko-KR" altLang="en-US" dirty="0"/>
+          </a:p>
+        </p:txBody>
+      </p:sp>
+      <p:sp>
+        <p:nvSpPr>
+          <p:cNvPr id="3" name="내용 개체 틀 2"/>
+          <p:cNvSpPr>
+            <a:spLocks noGrp="1"/>
+          </p:cNvSpPr>
+          <p:nvPr>
+            <p:ph idx="1"/>
+          </p:nvPr>
+        </p:nvSpPr>
+        <p:spPr/>
+        <p:txBody>
+          <a:bodyPr>
+            <a:normAutofit/>
+          </a:bodyPr>
+          <a:lstStyle/>
+          <a:p>
+            <a:r>
+              <a:rPr lang="en-US" altLang="ko-KR" dirty="0"/>
+              <a:t>Challenge to ab initio quantum many-body problem.</a:t>
+            </a:r>
+          </a:p>
+          <a:p>
+            <a:r>
+              <a:rPr lang="en-US" altLang="ko-KR" dirty="0"/>
+              <a:t>Requires: </a:t>
+            </a:r>
+          </a:p>
+          <a:p>
+            <a:r>
+              <a:rPr lang="en-US" altLang="ko-KR" dirty="0"/>
+              <a:t>1. Reliable theoretical tools</a:t>
+            </a:r>
+          </a:p>
+          <a:p>
+            <a:pPr lvl="1"/>
+            <a:r>
+              <a:rPr lang="en-US" altLang="ko-KR" dirty="0"/>
+              <a:t>NLEFT : Auxiliary field Monte Carlo Method</a:t>
+            </a:r>
+          </a:p>
+          <a:p>
+            <a:pPr lvl="1"/>
+            <a:r>
+              <a:rPr lang="en-US" altLang="ko-KR" dirty="0">
+                <a:sym typeface="Wingdings" panose="05000000000000000000" pitchFamily="2" charset="2"/>
+              </a:rPr>
+              <a:t> Sign problem ! </a:t>
+            </a:r>
+          </a:p>
+          <a:p>
+            <a:pPr lvl="1"/>
+            <a:r>
+              <a:rPr lang="en-US" altLang="ko-KR" dirty="0">
+                <a:solidFill>
+                  <a:srgbClr val="FF0000"/>
+                </a:solidFill>
+                <a:sym typeface="Wingdings" panose="05000000000000000000" pitchFamily="2" charset="2"/>
+              </a:rPr>
+              <a:t>Goal 1 </a:t>
+            </a:r>
+            <a:r>
+              <a:rPr lang="en-US" altLang="ko-KR" dirty="0">
+                <a:sym typeface="Wingdings" panose="05000000000000000000" pitchFamily="2" charset="2"/>
+              </a:rPr>
+              <a:t>: reduce the sign problem in NLEFT calculation </a:t>
+            </a:r>
+          </a:p>
+          <a:p>
+            <a:r>
+              <a:rPr lang="en-US" altLang="ko-KR" dirty="0">
+                <a:sym typeface="Wingdings" panose="05000000000000000000" pitchFamily="2" charset="2"/>
+              </a:rPr>
+              <a:t>2. Nuclear interaction which explain </a:t>
+            </a:r>
+            <a:r>
+              <a:rPr lang="en-US" altLang="ko-KR" dirty="0">
+                <a:solidFill>
+                  <a:srgbClr val="FF0000"/>
+                </a:solidFill>
+                <a:sym typeface="Wingdings" panose="05000000000000000000" pitchFamily="2" charset="2"/>
+              </a:rPr>
+              <a:t>simultaneously</a:t>
+            </a:r>
+            <a:r>
+              <a:rPr lang="en-US" altLang="ko-KR" dirty="0">
+                <a:sym typeface="Wingdings" panose="05000000000000000000" pitchFamily="2" charset="2"/>
+              </a:rPr>
+              <a:t> scattering, binding energies, charge radius of wide range of nuclei and nuclear matter, neutron matter </a:t>
+            </a:r>
+          </a:p>
+          <a:p>
+            <a:pPr lvl="1"/>
+            <a:r>
+              <a:rPr lang="en-US" altLang="ko-KR" dirty="0">
+                <a:solidFill>
+                  <a:srgbClr val="FF0000"/>
+                </a:solidFill>
+              </a:rPr>
+              <a:t>Goal 2</a:t>
+            </a:r>
+            <a:r>
+              <a:rPr lang="en-US" altLang="ko-KR" dirty="0"/>
+              <a:t>: find out what properties of nuclear interactions are necessary. </a:t>
+            </a:r>
+            <a:endParaRPr lang="ko-KR" altLang="en-US" dirty="0"/>
+          </a:p>
+        </p:txBody>
+      </p:sp>
+    </p:spTree>
+    <p:extLst>
+      <p:ext uri="{BB962C8B-B14F-4D97-AF65-F5344CB8AC3E}">
+        <p14:creationId xmlns:p14="http://schemas.microsoft.com/office/powerpoint/2010/main" val="857892855"/>
+      </p:ext>
+    </p:extLst>
+  </p:cSld>
+  <p:clrMapOvr>
+    <a:masterClrMapping/>
+  </p:clrMapOvr>
+</p:sld>
+</file>
+
+<file path=ppt/slides/slide40.xml><?xml version="1.0" encoding="utf-8"?>
+<p:sld xmlns:a="http://schemas.openxmlformats.org/drawingml/2006/main" xmlns:r="http://schemas.openxmlformats.org/officeDocument/2006/relationships" xmlns:p="http://schemas.openxmlformats.org/presentationml/2006/main">
+  <p:cSld>
+    <p:spTree>
+      <p:nvGrpSpPr>
+        <p:cNvPr id="1" name=""/>
+        <p:cNvGrpSpPr/>
+        <p:nvPr/>
+      </p:nvGrpSpPr>
+      <p:grpSpPr>
+        <a:xfrm>
+          <a:off x="0" y="0"/>
+          <a:ext cx="0" cy="0"/>
+          <a:chOff x="0" y="0"/>
+          <a:chExt cx="0" cy="0"/>
+        </a:xfrm>
+      </p:grpSpPr>
+      <p:sp>
+        <p:nvSpPr>
+          <p:cNvPr id="2" name="제목 1"/>
+          <p:cNvSpPr>
+            <a:spLocks noGrp="1"/>
+          </p:cNvSpPr>
+          <p:nvPr>
+            <p:ph type="title"/>
+          </p:nvPr>
+        </p:nvSpPr>
+        <p:spPr/>
+        <p:txBody>
+          <a:bodyPr/>
+          <a:lstStyle/>
+          <a:p>
+            <a:r>
+              <a:rPr lang="en-US" dirty="0"/>
               <a:t>Finite Volume Effect</a:t>
             </a:r>
-            <a:endParaRPr lang="en-US" dirty="0"/>
           </a:p>
         </p:txBody>
       </p:sp>
@@ -19312,7 +20026,7 @@
               <a:buChar char="•"/>
             </a:pPr>
             <a:r>
-              <a:rPr lang="en-US" dirty="0" smtClean="0"/>
+              <a:rPr lang="en-US" dirty="0"/>
               <a:t>Lt=200 result. (Not extrapolated results.) </a:t>
             </a:r>
           </a:p>
@@ -19322,7 +20036,7 @@
               <a:buChar char="•"/>
             </a:pPr>
             <a:r>
-              <a:rPr lang="en-US" dirty="0" smtClean="0"/>
+              <a:rPr lang="en-US" dirty="0"/>
               <a:t>Systematic Error from finite volume effects need to be studied.</a:t>
             </a:r>
           </a:p>
@@ -19332,10 +20046,9 @@
               <a:buChar char="•"/>
             </a:pPr>
             <a:r>
-              <a:rPr lang="en-US" dirty="0" smtClean="0"/>
+              <a:rPr lang="en-US" dirty="0"/>
               <a:t>L=11 improved Separation energy of 26O.</a:t>
             </a:r>
-            <a:endParaRPr lang="en-US" dirty="0"/>
           </a:p>
         </p:txBody>
       </p:sp>
@@ -19343,404 +20056,6 @@
     <p:extLst>
       <p:ext uri="{BB962C8B-B14F-4D97-AF65-F5344CB8AC3E}">
         <p14:creationId xmlns:p14="http://schemas.microsoft.com/office/powerpoint/2010/main" val="1644484991"/>
-      </p:ext>
-    </p:extLst>
-  </p:cSld>
-  <p:clrMapOvr>
-    <a:masterClrMapping/>
-  </p:clrMapOvr>
-</p:sld>
-</file>
-
-<file path=ppt/slides/slide38.xml><?xml version="1.0" encoding="utf-8"?>
-<p:sld xmlns:a="http://schemas.openxmlformats.org/drawingml/2006/main" xmlns:r="http://schemas.openxmlformats.org/officeDocument/2006/relationships" xmlns:p="http://schemas.openxmlformats.org/presentationml/2006/main">
-  <p:cSld>
-    <p:spTree>
-      <p:nvGrpSpPr>
-        <p:cNvPr id="1" name=""/>
-        <p:cNvGrpSpPr/>
-        <p:nvPr/>
-      </p:nvGrpSpPr>
-      <p:grpSpPr>
-        <a:xfrm>
-          <a:off x="0" y="0"/>
-          <a:ext cx="0" cy="0"/>
-          <a:chOff x="0" y="0"/>
-          <a:chExt cx="0" cy="0"/>
-        </a:xfrm>
-      </p:grpSpPr>
-      <p:sp>
-        <p:nvSpPr>
-          <p:cNvPr id="2" name="제목 1"/>
-          <p:cNvSpPr>
-            <a:spLocks noGrp="1"/>
-          </p:cNvSpPr>
-          <p:nvPr>
-            <p:ph type="title"/>
-          </p:nvPr>
-        </p:nvSpPr>
-        <p:spPr/>
-        <p:txBody>
-          <a:bodyPr/>
-          <a:lstStyle/>
-          <a:p>
-            <a:r>
-              <a:rPr lang="en-US" dirty="0"/>
-              <a:t>Carbon isotopes (Lt=200)</a:t>
-            </a:r>
-          </a:p>
-        </p:txBody>
-      </p:sp>
-      <p:pic>
-        <p:nvPicPr>
-          <p:cNvPr id="3" name="그림 2"/>
-          <p:cNvPicPr>
-            <a:picLocks noChangeAspect="1"/>
-          </p:cNvPicPr>
-          <p:nvPr/>
-        </p:nvPicPr>
-        <p:blipFill>
-          <a:blip r:embed="rId2"/>
-          <a:stretch>
-            <a:fillRect/>
-          </a:stretch>
-        </p:blipFill>
-        <p:spPr>
-          <a:xfrm>
-            <a:off x="1139824" y="1431636"/>
-            <a:ext cx="7361287" cy="4903932"/>
-          </a:xfrm>
-          <a:prstGeom prst="rect">
-            <a:avLst/>
-          </a:prstGeom>
-        </p:spPr>
-      </p:pic>
-    </p:spTree>
-    <p:extLst>
-      <p:ext uri="{BB962C8B-B14F-4D97-AF65-F5344CB8AC3E}">
-        <p14:creationId xmlns:p14="http://schemas.microsoft.com/office/powerpoint/2010/main" val="4124499877"/>
-      </p:ext>
-    </p:extLst>
-  </p:cSld>
-  <p:clrMapOvr>
-    <a:masterClrMapping/>
-  </p:clrMapOvr>
-</p:sld>
-</file>
-
-<file path=ppt/slides/slide39.xml><?xml version="1.0" encoding="utf-8"?>
-<p:sld xmlns:a="http://schemas.openxmlformats.org/drawingml/2006/main" xmlns:r="http://schemas.openxmlformats.org/officeDocument/2006/relationships" xmlns:p="http://schemas.openxmlformats.org/presentationml/2006/main">
-  <p:cSld>
-    <p:spTree>
-      <p:nvGrpSpPr>
-        <p:cNvPr id="1" name=""/>
-        <p:cNvGrpSpPr/>
-        <p:nvPr/>
-      </p:nvGrpSpPr>
-      <p:grpSpPr>
-        <a:xfrm>
-          <a:off x="0" y="0"/>
-          <a:ext cx="0" cy="0"/>
-          <a:chOff x="0" y="0"/>
-          <a:chExt cx="0" cy="0"/>
-        </a:xfrm>
-      </p:grpSpPr>
-      <p:sp>
-        <p:nvSpPr>
-          <p:cNvPr id="2" name="제목 1"/>
-          <p:cNvSpPr>
-            <a:spLocks noGrp="1"/>
-          </p:cNvSpPr>
-          <p:nvPr>
-            <p:ph type="title"/>
-          </p:nvPr>
-        </p:nvSpPr>
-        <p:spPr/>
-        <p:txBody>
-          <a:bodyPr/>
-          <a:lstStyle/>
-          <a:p>
-            <a:r>
-              <a:rPr lang="en-US" dirty="0" smtClean="0"/>
-              <a:t>Oxygen </a:t>
-            </a:r>
-            <a:r>
-              <a:rPr lang="en-US" dirty="0"/>
-              <a:t>isotopes (Lt=200)</a:t>
-            </a:r>
-          </a:p>
-        </p:txBody>
-      </p:sp>
-      <p:pic>
-        <p:nvPicPr>
-          <p:cNvPr id="4" name="그림 3"/>
-          <p:cNvPicPr>
-            <a:picLocks noChangeAspect="1"/>
-          </p:cNvPicPr>
-          <p:nvPr/>
-        </p:nvPicPr>
-        <p:blipFill>
-          <a:blip r:embed="rId2"/>
-          <a:stretch>
-            <a:fillRect/>
-          </a:stretch>
-        </p:blipFill>
-        <p:spPr>
-          <a:xfrm>
-            <a:off x="582589" y="1396539"/>
-            <a:ext cx="7661322" cy="5045808"/>
-          </a:xfrm>
-          <a:prstGeom prst="rect">
-            <a:avLst/>
-          </a:prstGeom>
-        </p:spPr>
-      </p:pic>
-    </p:spTree>
-    <p:extLst>
-      <p:ext uri="{BB962C8B-B14F-4D97-AF65-F5344CB8AC3E}">
-        <p14:creationId xmlns:p14="http://schemas.microsoft.com/office/powerpoint/2010/main" val="713114413"/>
-      </p:ext>
-    </p:extLst>
-  </p:cSld>
-  <p:clrMapOvr>
-    <a:masterClrMapping/>
-  </p:clrMapOvr>
-</p:sld>
-</file>
-
-<file path=ppt/slides/slide4.xml><?xml version="1.0" encoding="utf-8"?>
-<p:sld xmlns:a="http://schemas.openxmlformats.org/drawingml/2006/main" xmlns:r="http://schemas.openxmlformats.org/officeDocument/2006/relationships" xmlns:p="http://schemas.openxmlformats.org/presentationml/2006/main">
-  <p:cSld>
-    <p:spTree>
-      <p:nvGrpSpPr>
-        <p:cNvPr id="1" name=""/>
-        <p:cNvGrpSpPr/>
-        <p:nvPr/>
-      </p:nvGrpSpPr>
-      <p:grpSpPr>
-        <a:xfrm>
-          <a:off x="0" y="0"/>
-          <a:ext cx="0" cy="0"/>
-          <a:chOff x="0" y="0"/>
-          <a:chExt cx="0" cy="0"/>
-        </a:xfrm>
-      </p:grpSpPr>
-      <p:sp>
-        <p:nvSpPr>
-          <p:cNvPr id="2" name="제목 1"/>
-          <p:cNvSpPr>
-            <a:spLocks noGrp="1"/>
-          </p:cNvSpPr>
-          <p:nvPr>
-            <p:ph type="title"/>
-          </p:nvPr>
-        </p:nvSpPr>
-        <p:spPr/>
-        <p:txBody>
-          <a:bodyPr/>
-          <a:lstStyle/>
-          <a:p>
-            <a:r>
-              <a:rPr lang="en-US" altLang="ko-KR" dirty="0"/>
-              <a:t>Ab initio Quantum many-body</a:t>
-            </a:r>
-            <a:endParaRPr lang="ko-KR" altLang="en-US" dirty="0"/>
-          </a:p>
-        </p:txBody>
-      </p:sp>
-      <p:sp>
-        <p:nvSpPr>
-          <p:cNvPr id="3" name="내용 개체 틀 2"/>
-          <p:cNvSpPr>
-            <a:spLocks noGrp="1"/>
-          </p:cNvSpPr>
-          <p:nvPr>
-            <p:ph idx="1"/>
-          </p:nvPr>
-        </p:nvSpPr>
-        <p:spPr/>
-        <p:txBody>
-          <a:bodyPr>
-            <a:normAutofit/>
-          </a:bodyPr>
-          <a:lstStyle/>
-          <a:p>
-            <a:r>
-              <a:rPr lang="en-US" altLang="ko-KR" dirty="0"/>
-              <a:t>Challenge to ab initio quantum many-body problem.</a:t>
-            </a:r>
-          </a:p>
-          <a:p>
-            <a:r>
-              <a:rPr lang="en-US" altLang="ko-KR" dirty="0"/>
-              <a:t>Requires: </a:t>
-            </a:r>
-          </a:p>
-          <a:p>
-            <a:r>
-              <a:rPr lang="en-US" altLang="ko-KR" dirty="0"/>
-              <a:t>1. Reliable theoretical tools</a:t>
-            </a:r>
-          </a:p>
-          <a:p>
-            <a:pPr lvl="1"/>
-            <a:r>
-              <a:rPr lang="en-US" altLang="ko-KR" dirty="0"/>
-              <a:t>NLEFT : Auxiliary field Monte Carlo Method</a:t>
-            </a:r>
-          </a:p>
-          <a:p>
-            <a:pPr lvl="1"/>
-            <a:r>
-              <a:rPr lang="en-US" altLang="ko-KR" dirty="0">
-                <a:sym typeface="Wingdings" panose="05000000000000000000" pitchFamily="2" charset="2"/>
-              </a:rPr>
-              <a:t> Sign problem ! </a:t>
-            </a:r>
-          </a:p>
-          <a:p>
-            <a:pPr lvl="1"/>
-            <a:r>
-              <a:rPr lang="en-US" altLang="ko-KR" dirty="0">
-                <a:solidFill>
-                  <a:srgbClr val="FF0000"/>
-                </a:solidFill>
-                <a:sym typeface="Wingdings" panose="05000000000000000000" pitchFamily="2" charset="2"/>
-              </a:rPr>
-              <a:t>Goal 1 </a:t>
-            </a:r>
-            <a:r>
-              <a:rPr lang="en-US" altLang="ko-KR" dirty="0">
-                <a:sym typeface="Wingdings" panose="05000000000000000000" pitchFamily="2" charset="2"/>
-              </a:rPr>
-              <a:t>: reduce the sign problem in NLEFT calculation </a:t>
-            </a:r>
-          </a:p>
-          <a:p>
-            <a:r>
-              <a:rPr lang="en-US" altLang="ko-KR" dirty="0">
-                <a:sym typeface="Wingdings" panose="05000000000000000000" pitchFamily="2" charset="2"/>
-              </a:rPr>
-              <a:t>2. Nuclear interaction which explain </a:t>
-            </a:r>
-            <a:r>
-              <a:rPr lang="en-US" altLang="ko-KR" dirty="0">
-                <a:solidFill>
-                  <a:srgbClr val="FF0000"/>
-                </a:solidFill>
-                <a:sym typeface="Wingdings" panose="05000000000000000000" pitchFamily="2" charset="2"/>
-              </a:rPr>
-              <a:t>simultaneously</a:t>
-            </a:r>
-            <a:r>
-              <a:rPr lang="en-US" altLang="ko-KR" dirty="0">
-                <a:sym typeface="Wingdings" panose="05000000000000000000" pitchFamily="2" charset="2"/>
-              </a:rPr>
-              <a:t> scattering, binding energies, charge radius of wide range of nuclei and nuclear matter, neutron matter </a:t>
-            </a:r>
-          </a:p>
-          <a:p>
-            <a:pPr lvl="1"/>
-            <a:r>
-              <a:rPr lang="en-US" altLang="ko-KR" dirty="0">
-                <a:solidFill>
-                  <a:srgbClr val="FF0000"/>
-                </a:solidFill>
-              </a:rPr>
-              <a:t>Goal 2</a:t>
-            </a:r>
-            <a:r>
-              <a:rPr lang="en-US" altLang="ko-KR" dirty="0"/>
-              <a:t>: find out what properties of nuclear interactions are necessary. </a:t>
-            </a:r>
-            <a:endParaRPr lang="ko-KR" altLang="en-US" dirty="0"/>
-          </a:p>
-        </p:txBody>
-      </p:sp>
-    </p:spTree>
-    <p:extLst>
-      <p:ext uri="{BB962C8B-B14F-4D97-AF65-F5344CB8AC3E}">
-        <p14:creationId xmlns:p14="http://schemas.microsoft.com/office/powerpoint/2010/main" val="857892855"/>
-      </p:ext>
-    </p:extLst>
-  </p:cSld>
-  <p:clrMapOvr>
-    <a:masterClrMapping/>
-  </p:clrMapOvr>
-</p:sld>
-</file>
-
-<file path=ppt/slides/slide40.xml><?xml version="1.0" encoding="utf-8"?>
-<p:sld xmlns:a="http://schemas.openxmlformats.org/drawingml/2006/main" xmlns:r="http://schemas.openxmlformats.org/officeDocument/2006/relationships" xmlns:p="http://schemas.openxmlformats.org/presentationml/2006/main">
-  <p:cSld>
-    <p:spTree>
-      <p:nvGrpSpPr>
-        <p:cNvPr id="1" name=""/>
-        <p:cNvGrpSpPr/>
-        <p:nvPr/>
-      </p:nvGrpSpPr>
-      <p:grpSpPr>
-        <a:xfrm>
-          <a:off x="0" y="0"/>
-          <a:ext cx="0" cy="0"/>
-          <a:chOff x="0" y="0"/>
-          <a:chExt cx="0" cy="0"/>
-        </a:xfrm>
-      </p:grpSpPr>
-      <p:sp>
-        <p:nvSpPr>
-          <p:cNvPr id="2" name="제목 1"/>
-          <p:cNvSpPr>
-            <a:spLocks noGrp="1"/>
-          </p:cNvSpPr>
-          <p:nvPr>
-            <p:ph type="title"/>
-          </p:nvPr>
-        </p:nvSpPr>
-        <p:spPr/>
-        <p:txBody>
-          <a:bodyPr/>
-          <a:lstStyle/>
-          <a:p>
-            <a:r>
-              <a:rPr lang="en-US" dirty="0" smtClean="0"/>
-              <a:t>Partial waves contributions </a:t>
-            </a:r>
-            <a:r>
-              <a:rPr lang="en-US" dirty="0"/>
-              <a:t>(Lt=200)</a:t>
-            </a:r>
-          </a:p>
-        </p:txBody>
-      </p:sp>
-      <p:pic>
-        <p:nvPicPr>
-          <p:cNvPr id="3" name="그림 2"/>
-          <p:cNvPicPr>
-            <a:picLocks noChangeAspect="1"/>
-          </p:cNvPicPr>
-          <p:nvPr/>
-        </p:nvPicPr>
-        <p:blipFill>
-          <a:blip r:embed="rId2"/>
-          <a:stretch>
-            <a:fillRect/>
-          </a:stretch>
-        </p:blipFill>
-        <p:spPr>
-          <a:xfrm>
-            <a:off x="1134498" y="1524000"/>
-            <a:ext cx="7637004" cy="4904654"/>
-          </a:xfrm>
-          <a:prstGeom prst="rect">
-            <a:avLst/>
-          </a:prstGeom>
-        </p:spPr>
-      </p:pic>
-    </p:spTree>
-    <p:extLst>
-      <p:ext uri="{BB962C8B-B14F-4D97-AF65-F5344CB8AC3E}">
-        <p14:creationId xmlns:p14="http://schemas.microsoft.com/office/powerpoint/2010/main" val="2604863984"/>
       </p:ext>
     </p:extLst>
   </p:cSld>
@@ -19783,19 +20098,15 @@
           <a:lstStyle/>
           <a:p>
             <a:r>
-              <a:rPr lang="en-US" dirty="0" smtClean="0"/>
-              <a:t>Partial waves contributions </a:t>
-            </a:r>
-            <a:r>
               <a:rPr lang="en-US" dirty="0"/>
-              <a:t>(Lt=200)</a:t>
+              <a:t>Carbon isotopes (Lt=200)</a:t>
             </a:r>
           </a:p>
         </p:txBody>
       </p:sp>
       <p:pic>
         <p:nvPicPr>
-          <p:cNvPr id="4" name="그림 3"/>
+          <p:cNvPr id="3" name="그림 2"/>
           <p:cNvPicPr>
             <a:picLocks noChangeAspect="1"/>
           </p:cNvPicPr>
@@ -19809,8 +20120,8 @@
         </p:blipFill>
         <p:spPr>
           <a:xfrm>
-            <a:off x="634143" y="1592263"/>
-            <a:ext cx="7761711" cy="5158253"/>
+            <a:off x="1139824" y="1431636"/>
+            <a:ext cx="7361287" cy="4903932"/>
           </a:xfrm>
           <a:prstGeom prst="rect">
             <a:avLst/>
@@ -19820,7 +20131,7 @@
     </p:spTree>
     <p:extLst>
       <p:ext uri="{BB962C8B-B14F-4D97-AF65-F5344CB8AC3E}">
-        <p14:creationId xmlns:p14="http://schemas.microsoft.com/office/powerpoint/2010/main" val="2539051635"/>
+        <p14:creationId xmlns:p14="http://schemas.microsoft.com/office/powerpoint/2010/main" val="4124499877"/>
       </p:ext>
     </p:extLst>
   </p:cSld>
@@ -19863,19 +20174,15 @@
           <a:lstStyle/>
           <a:p>
             <a:r>
-              <a:rPr lang="en-US" dirty="0" smtClean="0"/>
-              <a:t>Partial waves contributions </a:t>
-            </a:r>
-            <a:r>
               <a:rPr lang="en-US" dirty="0"/>
-              <a:t>(Lt=200)</a:t>
+              <a:t>Oxygen isotopes (Lt=200)</a:t>
             </a:r>
           </a:p>
         </p:txBody>
       </p:sp>
       <p:pic>
         <p:nvPicPr>
-          <p:cNvPr id="3" name="그림 2"/>
+          <p:cNvPr id="4" name="그림 3"/>
           <p:cNvPicPr>
             <a:picLocks noChangeAspect="1"/>
           </p:cNvPicPr>
@@ -19889,32 +20196,8 @@
         </p:blipFill>
         <p:spPr>
           <a:xfrm>
-            <a:off x="66090" y="1853739"/>
-            <a:ext cx="5005529" cy="3227900"/>
-          </a:xfrm>
-          <a:prstGeom prst="rect">
-            <a:avLst/>
-          </a:prstGeom>
-        </p:spPr>
-      </p:pic>
-      <p:pic>
-        <p:nvPicPr>
-          <p:cNvPr id="5" name="그림 4"/>
-          <p:cNvPicPr>
-            <a:picLocks noChangeAspect="1"/>
-          </p:cNvPicPr>
-          <p:nvPr/>
-        </p:nvPicPr>
-        <p:blipFill>
-          <a:blip r:embed="rId3"/>
-          <a:stretch>
-            <a:fillRect/>
-          </a:stretch>
-        </p:blipFill>
-        <p:spPr>
-          <a:xfrm>
-            <a:off x="4916488" y="1901212"/>
-            <a:ext cx="4765137" cy="3180427"/>
+            <a:off x="582589" y="1396539"/>
+            <a:ext cx="7661322" cy="5045808"/>
           </a:xfrm>
           <a:prstGeom prst="rect">
             <a:avLst/>
@@ -19924,7 +20207,7 @@
     </p:spTree>
     <p:extLst>
       <p:ext uri="{BB962C8B-B14F-4D97-AF65-F5344CB8AC3E}">
-        <p14:creationId xmlns:p14="http://schemas.microsoft.com/office/powerpoint/2010/main" val="2349975389"/>
+        <p14:creationId xmlns:p14="http://schemas.microsoft.com/office/powerpoint/2010/main" val="713114413"/>
       </p:ext>
     </p:extLst>
   </p:cSld>
@@ -19963,25 +20246,19 @@
         </p:nvSpPr>
         <p:spPr/>
         <p:txBody>
-          <a:bodyPr>
-            <a:normAutofit fontScale="90000"/>
-          </a:bodyPr>
-          <a:lstStyle/>
-          <a:p>
-            <a:r>
-              <a:rPr lang="en-US" dirty="0" smtClean="0"/>
-              <a:t>LEC(or phase shift fit) dependence </a:t>
-            </a:r>
+          <a:bodyPr/>
+          <a:lstStyle/>
+          <a:p>
             <a:r>
               <a:rPr lang="en-US" dirty="0"/>
-              <a:t>(Lt=200)</a:t>
+              <a:t>Partial waves contributions (Lt=200)</a:t>
             </a:r>
           </a:p>
         </p:txBody>
       </p:sp>
       <p:pic>
         <p:nvPicPr>
-          <p:cNvPr id="4" name="그림 3"/>
+          <p:cNvPr id="3" name="그림 2"/>
           <p:cNvPicPr>
             <a:picLocks noChangeAspect="1"/>
           </p:cNvPicPr>
@@ -19995,48 +20272,18 @@
         </p:blipFill>
         <p:spPr>
           <a:xfrm>
-            <a:off x="738100" y="1524000"/>
-            <a:ext cx="7449936" cy="4852185"/>
+            <a:off x="1134498" y="1524000"/>
+            <a:ext cx="7637004" cy="4904654"/>
           </a:xfrm>
           <a:prstGeom prst="rect">
             <a:avLst/>
           </a:prstGeom>
         </p:spPr>
       </p:pic>
-      <p:sp>
-        <p:nvSpPr>
-          <p:cNvPr id="6" name="TextBox 5"/>
-          <p:cNvSpPr txBox="1"/>
-          <p:nvPr/>
-        </p:nvSpPr>
-        <p:spPr>
-          <a:xfrm>
-            <a:off x="8188036" y="2061556"/>
-            <a:ext cx="1013114" cy="382412"/>
-          </a:xfrm>
-          <a:prstGeom prst="rect">
-            <a:avLst/>
-          </a:prstGeom>
-          <a:noFill/>
-        </p:spPr>
-        <p:txBody>
-          <a:bodyPr wrap="square" rtlCol="0">
-            <a:spAutoFit/>
-          </a:bodyPr>
-          <a:lstStyle/>
-          <a:p>
-            <a:r>
-              <a:rPr lang="en-US" dirty="0" smtClean="0"/>
-              <a:t>Z= 6 </a:t>
-            </a:r>
-            <a:endParaRPr lang="en-US" dirty="0"/>
-          </a:p>
-        </p:txBody>
-      </p:sp>
     </p:spTree>
     <p:extLst>
       <p:ext uri="{BB962C8B-B14F-4D97-AF65-F5344CB8AC3E}">
-        <p14:creationId xmlns:p14="http://schemas.microsoft.com/office/powerpoint/2010/main" val="1572476315"/>
+        <p14:creationId xmlns:p14="http://schemas.microsoft.com/office/powerpoint/2010/main" val="2604863984"/>
       </p:ext>
     </p:extLst>
   </p:cSld>
@@ -20079,6 +20326,289 @@
           <a:lstStyle/>
           <a:p>
             <a:r>
+              <a:rPr lang="en-US" dirty="0"/>
+              <a:t>Partial waves contributions (Lt=200)</a:t>
+            </a:r>
+          </a:p>
+        </p:txBody>
+      </p:sp>
+      <p:pic>
+        <p:nvPicPr>
+          <p:cNvPr id="4" name="그림 3"/>
+          <p:cNvPicPr>
+            <a:picLocks noChangeAspect="1"/>
+          </p:cNvPicPr>
+          <p:nvPr/>
+        </p:nvPicPr>
+        <p:blipFill>
+          <a:blip r:embed="rId2"/>
+          <a:stretch>
+            <a:fillRect/>
+          </a:stretch>
+        </p:blipFill>
+        <p:spPr>
+          <a:xfrm>
+            <a:off x="634143" y="1592263"/>
+            <a:ext cx="7761711" cy="5158253"/>
+          </a:xfrm>
+          <a:prstGeom prst="rect">
+            <a:avLst/>
+          </a:prstGeom>
+        </p:spPr>
+      </p:pic>
+    </p:spTree>
+    <p:extLst>
+      <p:ext uri="{BB962C8B-B14F-4D97-AF65-F5344CB8AC3E}">
+        <p14:creationId xmlns:p14="http://schemas.microsoft.com/office/powerpoint/2010/main" val="2539051635"/>
+      </p:ext>
+    </p:extLst>
+  </p:cSld>
+  <p:clrMapOvr>
+    <a:masterClrMapping/>
+  </p:clrMapOvr>
+</p:sld>
+</file>
+
+<file path=ppt/slides/slide45.xml><?xml version="1.0" encoding="utf-8"?>
+<p:sld xmlns:a="http://schemas.openxmlformats.org/drawingml/2006/main" xmlns:r="http://schemas.openxmlformats.org/officeDocument/2006/relationships" xmlns:p="http://schemas.openxmlformats.org/presentationml/2006/main">
+  <p:cSld>
+    <p:spTree>
+      <p:nvGrpSpPr>
+        <p:cNvPr id="1" name=""/>
+        <p:cNvGrpSpPr/>
+        <p:nvPr/>
+      </p:nvGrpSpPr>
+      <p:grpSpPr>
+        <a:xfrm>
+          <a:off x="0" y="0"/>
+          <a:ext cx="0" cy="0"/>
+          <a:chOff x="0" y="0"/>
+          <a:chExt cx="0" cy="0"/>
+        </a:xfrm>
+      </p:grpSpPr>
+      <p:sp>
+        <p:nvSpPr>
+          <p:cNvPr id="2" name="제목 1"/>
+          <p:cNvSpPr>
+            <a:spLocks noGrp="1"/>
+          </p:cNvSpPr>
+          <p:nvPr>
+            <p:ph type="title"/>
+          </p:nvPr>
+        </p:nvSpPr>
+        <p:spPr/>
+        <p:txBody>
+          <a:bodyPr/>
+          <a:lstStyle/>
+          <a:p>
+            <a:r>
+              <a:rPr lang="en-US" dirty="0"/>
+              <a:t>Partial waves contributions (Lt=200)</a:t>
+            </a:r>
+          </a:p>
+        </p:txBody>
+      </p:sp>
+      <p:pic>
+        <p:nvPicPr>
+          <p:cNvPr id="3" name="그림 2"/>
+          <p:cNvPicPr>
+            <a:picLocks noChangeAspect="1"/>
+          </p:cNvPicPr>
+          <p:nvPr/>
+        </p:nvPicPr>
+        <p:blipFill>
+          <a:blip r:embed="rId2"/>
+          <a:stretch>
+            <a:fillRect/>
+          </a:stretch>
+        </p:blipFill>
+        <p:spPr>
+          <a:xfrm>
+            <a:off x="66090" y="1853739"/>
+            <a:ext cx="5005529" cy="3227900"/>
+          </a:xfrm>
+          <a:prstGeom prst="rect">
+            <a:avLst/>
+          </a:prstGeom>
+        </p:spPr>
+      </p:pic>
+      <p:pic>
+        <p:nvPicPr>
+          <p:cNvPr id="5" name="그림 4"/>
+          <p:cNvPicPr>
+            <a:picLocks noChangeAspect="1"/>
+          </p:cNvPicPr>
+          <p:nvPr/>
+        </p:nvPicPr>
+        <p:blipFill>
+          <a:blip r:embed="rId3"/>
+          <a:stretch>
+            <a:fillRect/>
+          </a:stretch>
+        </p:blipFill>
+        <p:spPr>
+          <a:xfrm>
+            <a:off x="4916488" y="1901212"/>
+            <a:ext cx="4765137" cy="3180427"/>
+          </a:xfrm>
+          <a:prstGeom prst="rect">
+            <a:avLst/>
+          </a:prstGeom>
+        </p:spPr>
+      </p:pic>
+    </p:spTree>
+    <p:extLst>
+      <p:ext uri="{BB962C8B-B14F-4D97-AF65-F5344CB8AC3E}">
+        <p14:creationId xmlns:p14="http://schemas.microsoft.com/office/powerpoint/2010/main" val="2349975389"/>
+      </p:ext>
+    </p:extLst>
+  </p:cSld>
+  <p:clrMapOvr>
+    <a:masterClrMapping/>
+  </p:clrMapOvr>
+</p:sld>
+</file>
+
+<file path=ppt/slides/slide46.xml><?xml version="1.0" encoding="utf-8"?>
+<p:sld xmlns:a="http://schemas.openxmlformats.org/drawingml/2006/main" xmlns:r="http://schemas.openxmlformats.org/officeDocument/2006/relationships" xmlns:p="http://schemas.openxmlformats.org/presentationml/2006/main">
+  <p:cSld>
+    <p:spTree>
+      <p:nvGrpSpPr>
+        <p:cNvPr id="1" name=""/>
+        <p:cNvGrpSpPr/>
+        <p:nvPr/>
+      </p:nvGrpSpPr>
+      <p:grpSpPr>
+        <a:xfrm>
+          <a:off x="0" y="0"/>
+          <a:ext cx="0" cy="0"/>
+          <a:chOff x="0" y="0"/>
+          <a:chExt cx="0" cy="0"/>
+        </a:xfrm>
+      </p:grpSpPr>
+      <p:sp>
+        <p:nvSpPr>
+          <p:cNvPr id="2" name="제목 1"/>
+          <p:cNvSpPr>
+            <a:spLocks noGrp="1"/>
+          </p:cNvSpPr>
+          <p:nvPr>
+            <p:ph type="title"/>
+          </p:nvPr>
+        </p:nvSpPr>
+        <p:spPr/>
+        <p:txBody>
+          <a:bodyPr>
+            <a:normAutofit fontScale="90000"/>
+          </a:bodyPr>
+          <a:lstStyle/>
+          <a:p>
+            <a:r>
+              <a:rPr lang="en-US" dirty="0"/>
+              <a:t>LEC(or phase shift fit) dependence (Lt=200)</a:t>
+            </a:r>
+          </a:p>
+        </p:txBody>
+      </p:sp>
+      <p:pic>
+        <p:nvPicPr>
+          <p:cNvPr id="4" name="그림 3"/>
+          <p:cNvPicPr>
+            <a:picLocks noChangeAspect="1"/>
+          </p:cNvPicPr>
+          <p:nvPr/>
+        </p:nvPicPr>
+        <p:blipFill>
+          <a:blip r:embed="rId2"/>
+          <a:stretch>
+            <a:fillRect/>
+          </a:stretch>
+        </p:blipFill>
+        <p:spPr>
+          <a:xfrm>
+            <a:off x="738100" y="1524000"/>
+            <a:ext cx="7449936" cy="4852185"/>
+          </a:xfrm>
+          <a:prstGeom prst="rect">
+            <a:avLst/>
+          </a:prstGeom>
+        </p:spPr>
+      </p:pic>
+      <p:sp>
+        <p:nvSpPr>
+          <p:cNvPr id="6" name="TextBox 5"/>
+          <p:cNvSpPr txBox="1"/>
+          <p:nvPr/>
+        </p:nvSpPr>
+        <p:spPr>
+          <a:xfrm>
+            <a:off x="8188036" y="2061556"/>
+            <a:ext cx="1013114" cy="382412"/>
+          </a:xfrm>
+          <a:prstGeom prst="rect">
+            <a:avLst/>
+          </a:prstGeom>
+          <a:noFill/>
+        </p:spPr>
+        <p:txBody>
+          <a:bodyPr wrap="square" rtlCol="0">
+            <a:spAutoFit/>
+          </a:bodyPr>
+          <a:lstStyle/>
+          <a:p>
+            <a:r>
+              <a:rPr lang="en-US" dirty="0"/>
+              <a:t>Z= 6 </a:t>
+            </a:r>
+          </a:p>
+        </p:txBody>
+      </p:sp>
+    </p:spTree>
+    <p:extLst>
+      <p:ext uri="{BB962C8B-B14F-4D97-AF65-F5344CB8AC3E}">
+        <p14:creationId xmlns:p14="http://schemas.microsoft.com/office/powerpoint/2010/main" val="1572476315"/>
+      </p:ext>
+    </p:extLst>
+  </p:cSld>
+  <p:clrMapOvr>
+    <a:masterClrMapping/>
+  </p:clrMapOvr>
+</p:sld>
+</file>
+
+<file path=ppt/slides/slide47.xml><?xml version="1.0" encoding="utf-8"?>
+<p:sld xmlns:a="http://schemas.openxmlformats.org/drawingml/2006/main" xmlns:r="http://schemas.openxmlformats.org/officeDocument/2006/relationships" xmlns:p="http://schemas.openxmlformats.org/presentationml/2006/main">
+  <p:cSld>
+    <p:spTree>
+      <p:nvGrpSpPr>
+        <p:cNvPr id="1" name=""/>
+        <p:cNvGrpSpPr/>
+        <p:nvPr/>
+      </p:nvGrpSpPr>
+      <p:grpSpPr>
+        <a:xfrm>
+          <a:off x="0" y="0"/>
+          <a:ext cx="0" cy="0"/>
+          <a:chOff x="0" y="0"/>
+          <a:chExt cx="0" cy="0"/>
+        </a:xfrm>
+      </p:grpSpPr>
+      <p:sp>
+        <p:nvSpPr>
+          <p:cNvPr id="2" name="제목 1"/>
+          <p:cNvSpPr>
+            <a:spLocks noGrp="1"/>
+          </p:cNvSpPr>
+          <p:nvPr>
+            <p:ph type="title"/>
+          </p:nvPr>
+        </p:nvSpPr>
+        <p:spPr/>
+        <p:txBody>
+          <a:bodyPr/>
+          <a:lstStyle/>
+          <a:p>
+            <a:r>
               <a:rPr lang="en-US" altLang="ko-KR" dirty="0"/>
               <a:t>Summary</a:t>
             </a:r>
@@ -20202,12 +20732,8 @@
               <a:buChar char="•"/>
             </a:pPr>
             <a:r>
-              <a:rPr lang="en-US" altLang="ko-KR" dirty="0" smtClean="0"/>
-              <a:t>Carbon </a:t>
-            </a:r>
-            <a:r>
               <a:rPr lang="en-US" altLang="ko-KR" dirty="0"/>
-              <a:t>excited states</a:t>
+              <a:t>Carbon excited states</a:t>
             </a:r>
           </a:p>
           <a:p>
@@ -20216,19 +20742,11 @@
               <a:buChar char="•"/>
             </a:pPr>
             <a:r>
-              <a:rPr lang="en-US" altLang="ko-KR" dirty="0" smtClean="0"/>
-              <a:t>Carbon</a:t>
-            </a:r>
-            <a:r>
               <a:rPr lang="en-US" altLang="ko-KR" dirty="0"/>
-              <a:t>, Oxygen </a:t>
-            </a:r>
-            <a:r>
-              <a:rPr lang="en-US" altLang="ko-KR" dirty="0" smtClean="0"/>
-              <a:t>isotope up to dripline shows </a:t>
-            </a:r>
-            <a:r>
-              <a:rPr lang="en-US" altLang="ko-KR" dirty="0" smtClean="0">
+              <a:t>Carbon, Oxygen isotope up to dripline shows </a:t>
+            </a:r>
+            <a:r>
+              <a:rPr lang="en-US" altLang="ko-KR" dirty="0">
                 <a:solidFill>
                   <a:srgbClr val="FF0000"/>
                 </a:solidFill>
@@ -20236,7 +20754,7 @@
               <a:t>good agreement </a:t>
             </a:r>
             <a:r>
-              <a:rPr lang="en-US" altLang="ko-KR" dirty="0" smtClean="0"/>
+              <a:rPr lang="en-US" altLang="ko-KR" dirty="0"/>
               <a:t>with experimental data</a:t>
             </a:r>
           </a:p>
@@ -20246,10 +20764,9 @@
               <a:buChar char="•"/>
             </a:pPr>
             <a:r>
-              <a:rPr lang="en-US" altLang="ko-KR" dirty="0" smtClean="0"/>
+              <a:rPr lang="en-US" altLang="ko-KR" dirty="0"/>
               <a:t>systematic error(finite volume effects) estimation may be necessary. </a:t>
             </a:r>
-            <a:endParaRPr lang="en-US" altLang="ko-KR" dirty="0"/>
           </a:p>
         </p:txBody>
       </p:sp>
